--- a/documents/final_demo.pptx
+++ b/documents/final_demo.pptx
@@ -5,7 +5,7 @@
     <p:sldMasterId id="2147483648" r:id="rId1"/>
   </p:sldMasterIdLst>
   <p:notesMasterIdLst>
-    <p:notesMasterId r:id="rId16"/>
+    <p:notesMasterId r:id="rId18"/>
   </p:notesMasterIdLst>
   <p:sldIdLst>
     <p:sldId id="256" r:id="rId2"/>
@@ -14,14 +14,16 @@
     <p:sldId id="274" r:id="rId5"/>
     <p:sldId id="279" r:id="rId6"/>
     <p:sldId id="278" r:id="rId7"/>
-    <p:sldId id="283" r:id="rId8"/>
-    <p:sldId id="284" r:id="rId9"/>
+    <p:sldId id="284" r:id="rId8"/>
+    <p:sldId id="283" r:id="rId9"/>
     <p:sldId id="285" r:id="rId10"/>
     <p:sldId id="286" r:id="rId11"/>
-    <p:sldId id="281" r:id="rId12"/>
-    <p:sldId id="289" r:id="rId13"/>
-    <p:sldId id="290" r:id="rId14"/>
-    <p:sldId id="271" r:id="rId15"/>
+    <p:sldId id="292" r:id="rId12"/>
+    <p:sldId id="281" r:id="rId13"/>
+    <p:sldId id="289" r:id="rId14"/>
+    <p:sldId id="290" r:id="rId15"/>
+    <p:sldId id="293" r:id="rId16"/>
+    <p:sldId id="271" r:id="rId17"/>
   </p:sldIdLst>
   <p:sldSz cx="9144000" cy="6858000" type="screen4x3"/>
   <p:notesSz cx="6858000" cy="9144000"/>
@@ -205,7 +207,7 @@
           <a:p>
             <a:fld id="{FC8201EE-899D-B748-A6DA-C758654FD93E}" type="datetimeFigureOut">
               <a:rPr lang="en-US" smtClean="0"/>
-              <a:t>2014-08-14</a:t>
+              <a:t>2014-08-15</a:t>
             </a:fld>
             <a:endParaRPr lang="en-US"/>
           </a:p>
@@ -520,12 +522,18 @@
             <a:pPr marL="0" indent="0">
               <a:buNone/>
             </a:pPr>
-            <a:endParaRPr lang="en-US" sz="1200" dirty="0" smtClean="0"/>
-          </a:p>
-          <a:p>
-            <a:pPr marL="0" indent="0">
-              <a:buNone/>
-            </a:pPr>
+            <a:r>
+              <a:rPr lang="en-US" sz="1200" dirty="0" smtClean="0"/>
+              <a:t>REW: Good afternoon</a:t>
+            </a:r>
+            <a:r>
+              <a:rPr lang="en-US" sz="1200" baseline="0" dirty="0" smtClean="0"/>
+              <a:t> </a:t>
+            </a:r>
+            <a:r>
+              <a:rPr lang="en-US" sz="1200" baseline="0" dirty="0" err="1" smtClean="0"/>
+              <a:t>Plam</a:t>
+            </a:r>
             <a:endParaRPr lang="en-US" sz="1200" dirty="0" smtClean="0"/>
           </a:p>
           <a:p>
@@ -635,8 +643,16 @@
               <a:buNone/>
             </a:pPr>
             <a:r>
+              <a:rPr lang="en-US" sz="1200" dirty="0" err="1" smtClean="0"/>
+              <a:t>TIAN:Did</a:t>
+            </a:r>
+            <a:r>
               <a:rPr lang="en-US" sz="1200" dirty="0" smtClean="0"/>
-              <a:t>Did some low and hi-fidelity mockups </a:t>
+              <a:t> </a:t>
+            </a:r>
+            <a:r>
+              <a:rPr lang="en-US" sz="1200" dirty="0" smtClean="0"/>
+              <a:t>some low and hi-fidelity mockups </a:t>
             </a:r>
           </a:p>
           <a:p>
@@ -735,39 +751,33 @@
           <a:bodyPr/>
           <a:lstStyle/>
           <a:p>
-            <a:pPr marL="171450" lvl="0" indent="-171450">
-              <a:buFontTx/>
-              <a:buChar char="-"/>
+            <a:pPr marL="0" indent="0">
+              <a:buNone/>
             </a:pPr>
             <a:r>
-              <a:rPr lang="en-US" dirty="0" smtClean="0"/>
-              <a:t>What’s next?</a:t>
-            </a:r>
+              <a:rPr lang="en-US" sz="1200" dirty="0" smtClean="0"/>
+              <a:t>REW: We’ve also</a:t>
+            </a:r>
+            <a:r>
+              <a:rPr lang="en-US" sz="1200" baseline="0" dirty="0" smtClean="0"/>
+              <a:t> added more apps, to explore and expand on the different possibilities available to our users. In addition to our provided apps from before, we’ve added a </a:t>
+            </a:r>
+            <a:r>
+              <a:rPr lang="en-US" sz="1200" baseline="0" dirty="0" err="1" smtClean="0"/>
+              <a:t>Minecraft</a:t>
+            </a:r>
+            <a:r>
+              <a:rPr lang="en-US" sz="1200" baseline="0" dirty="0" smtClean="0"/>
+              <a:t> app and Jenkins app.</a:t>
+            </a:r>
+            <a:endParaRPr lang="en-US" baseline="0" dirty="0" smtClean="0"/>
           </a:p>
           <a:p>
             <a:pPr marL="628650" lvl="1" indent="-171450">
               <a:buFontTx/>
               <a:buChar char="-"/>
             </a:pPr>
-            <a:r>
-              <a:rPr lang="en-US" dirty="0" smtClean="0"/>
-              <a:t>Planned usability testing with </a:t>
-            </a:r>
-            <a:r>
-              <a:rPr lang="en-US" dirty="0" err="1" smtClean="0"/>
-              <a:t>noobs</a:t>
-            </a:r>
-            <a:endParaRPr lang="en-US" dirty="0" smtClean="0"/>
-          </a:p>
-          <a:p>
-            <a:pPr marL="628650" lvl="1" indent="-171450">
-              <a:buFontTx/>
-              <a:buChar char="-"/>
-            </a:pPr>
-            <a:r>
-              <a:rPr lang="en-US" dirty="0" smtClean="0"/>
-              <a:t>Store page</a:t>
-            </a:r>
+            <a:endParaRPr lang="en-US" baseline="0" dirty="0" smtClean="0"/>
           </a:p>
         </p:txBody>
       </p:sp>
@@ -851,14 +861,43 @@
           <a:bodyPr/>
           <a:lstStyle/>
           <a:p>
-            <a:pPr marL="0" indent="0">
-              <a:buNone/>
+            <a:pPr marL="171450" lvl="0" indent="-171450">
+              <a:buFontTx/>
+              <a:buChar char="-"/>
             </a:pPr>
             <a:r>
-              <a:rPr lang="en-US" sz="1200" dirty="0" smtClean="0"/>
-              <a:t>Planned usability testing with non-CS/SE folks</a:t>
-            </a:r>
-            <a:endParaRPr lang="en-US" sz="1200" dirty="0" smtClean="0"/>
+              <a:rPr lang="en-US" dirty="0" smtClean="0"/>
+              <a:t>REW: What’s </a:t>
+            </a:r>
+            <a:r>
+              <a:rPr lang="en-US" dirty="0" smtClean="0"/>
+              <a:t>next?</a:t>
+            </a:r>
+          </a:p>
+          <a:p>
+            <a:pPr marL="628650" lvl="1" indent="-171450">
+              <a:buFontTx/>
+              <a:buChar char="-"/>
+            </a:pPr>
+            <a:r>
+              <a:rPr lang="en-US" dirty="0" smtClean="0"/>
+              <a:t>Planned usability testing with </a:t>
+            </a:r>
+            <a:r>
+              <a:rPr lang="en-US" dirty="0" err="1" smtClean="0"/>
+              <a:t>noobs</a:t>
+            </a:r>
+            <a:endParaRPr lang="en-US" dirty="0" smtClean="0"/>
+          </a:p>
+          <a:p>
+            <a:pPr marL="628650" lvl="1" indent="-171450">
+              <a:buFontTx/>
+              <a:buChar char="-"/>
+            </a:pPr>
+            <a:r>
+              <a:rPr lang="en-US" dirty="0" smtClean="0"/>
+              <a:t>Store page</a:t>
+            </a:r>
           </a:p>
         </p:txBody>
       </p:sp>
@@ -942,11 +981,17 @@
           <a:bodyPr/>
           <a:lstStyle/>
           <a:p>
-            <a:pPr marL="628650" lvl="1" indent="-171450">
-              <a:buFontTx/>
-              <a:buChar char="-"/>
+            <a:pPr marL="0" indent="0">
+              <a:buNone/>
             </a:pPr>
-            <a:endParaRPr lang="en-US" dirty="0" smtClean="0"/>
+            <a:r>
+              <a:rPr lang="en-US" sz="1200" dirty="0" smtClean="0"/>
+              <a:t>JANE: Planned </a:t>
+            </a:r>
+            <a:r>
+              <a:rPr lang="en-US" sz="1200" dirty="0" smtClean="0"/>
+              <a:t>usability testing with non-CS/SE folks</a:t>
+            </a:r>
           </a:p>
         </p:txBody>
       </p:sp>
@@ -1030,6 +1075,110 @@
           <a:bodyPr/>
           <a:lstStyle/>
           <a:p>
+            <a:pPr marL="0" lvl="0" indent="0">
+              <a:buFontTx/>
+              <a:buNone/>
+            </a:pPr>
+            <a:r>
+              <a:rPr lang="en-US" dirty="0" smtClean="0"/>
+              <a:t>JANE: We</a:t>
+            </a:r>
+            <a:r>
+              <a:rPr lang="en-US" baseline="0" dirty="0" smtClean="0"/>
+              <a:t> also plan to create a product website to explain </a:t>
+            </a:r>
+            <a:r>
+              <a:rPr lang="en-US" baseline="0" dirty="0" err="1" smtClean="0"/>
+              <a:t>Ailurus</a:t>
+            </a:r>
+            <a:r>
+              <a:rPr lang="en-US" baseline="0" dirty="0" smtClean="0"/>
+              <a:t>: what its purpose is, what its benefits are, and how to use it. We will also want to add a page where readers can order a one of our products for themselves.</a:t>
+            </a:r>
+            <a:endParaRPr lang="en-US" dirty="0" smtClean="0"/>
+          </a:p>
+        </p:txBody>
+      </p:sp>
+      <p:sp>
+        <p:nvSpPr>
+          <p:cNvPr id="4" name="Slide Number Placeholder 3"/>
+          <p:cNvSpPr>
+            <a:spLocks noGrp="1"/>
+          </p:cNvSpPr>
+          <p:nvPr>
+            <p:ph type="sldNum" sz="quarter" idx="10"/>
+          </p:nvPr>
+        </p:nvSpPr>
+        <p:spPr/>
+        <p:txBody>
+          <a:bodyPr/>
+          <a:lstStyle/>
+          <a:p>
+            <a:fld id="{6100224D-0E9C-C04C-8D85-E4CE9ACE5D30}" type="slidenum">
+              <a:rPr lang="en-US" smtClean="0"/>
+              <a:t>14</a:t>
+            </a:fld>
+            <a:endParaRPr lang="en-US"/>
+          </a:p>
+        </p:txBody>
+      </p:sp>
+    </p:spTree>
+    <p:extLst>
+      <p:ext uri="{BB962C8B-B14F-4D97-AF65-F5344CB8AC3E}">
+        <p14:creationId xmlns:p14="http://schemas.microsoft.com/office/powerpoint/2010/main" val="2744595537"/>
+      </p:ext>
+    </p:extLst>
+  </p:cSld>
+  <p:clrMapOvr>
+    <a:masterClrMapping/>
+  </p:clrMapOvr>
+</p:notes>
+</file>
+
+<file path=ppt/notesSlides/notesSlide15.xml><?xml version="1.0" encoding="utf-8"?>
+<p:notes xmlns:a="http://schemas.openxmlformats.org/drawingml/2006/main" xmlns:r="http://schemas.openxmlformats.org/officeDocument/2006/relationships" xmlns:p="http://schemas.openxmlformats.org/presentationml/2006/main">
+  <p:cSld>
+    <p:spTree>
+      <p:nvGrpSpPr>
+        <p:cNvPr id="1" name=""/>
+        <p:cNvGrpSpPr/>
+        <p:nvPr/>
+      </p:nvGrpSpPr>
+      <p:grpSpPr>
+        <a:xfrm>
+          <a:off x="0" y="0"/>
+          <a:ext cx="0" cy="0"/>
+          <a:chOff x="0" y="0"/>
+          <a:chExt cx="0" cy="0"/>
+        </a:xfrm>
+      </p:grpSpPr>
+      <p:sp>
+        <p:nvSpPr>
+          <p:cNvPr id="2" name="Slide Image Placeholder 1"/>
+          <p:cNvSpPr>
+            <a:spLocks noGrp="1" noRot="1" noChangeAspect="1"/>
+          </p:cNvSpPr>
+          <p:nvPr>
+            <p:ph type="sldImg"/>
+          </p:nvPr>
+        </p:nvSpPr>
+        <p:spPr/>
+      </p:sp>
+      <p:sp>
+        <p:nvSpPr>
+          <p:cNvPr id="3" name="Notes Placeholder 2"/>
+          <p:cNvSpPr>
+            <a:spLocks noGrp="1"/>
+          </p:cNvSpPr>
+          <p:nvPr>
+            <p:ph type="body" idx="1"/>
+          </p:nvPr>
+        </p:nvSpPr>
+        <p:spPr/>
+        <p:txBody>
+          <a:bodyPr/>
+          <a:lstStyle/>
+          <a:p>
             <a:r>
               <a:rPr lang="en-US" altLang="ja-JP" sz="1200" kern="1200" baseline="0" dirty="0" smtClean="0">
                 <a:solidFill>
@@ -1039,30 +1188,16 @@
                 <a:ea typeface="+mn-ea"/>
                 <a:cs typeface="+mn-cs"/>
               </a:rPr>
-              <a:t>Jane: Please don</a:t>
-            </a:r>
-            <a:r>
-              <a:rPr lang="fr-FR" altLang="ja-JP" sz="1200" kern="1200" baseline="0" dirty="0" smtClean="0">
-                <a:solidFill>
-                  <a:schemeClr val="tx1"/>
-                </a:solidFill>
-                <a:latin typeface="+mn-lt"/>
-                <a:ea typeface="+mn-ea"/>
-                <a:cs typeface="+mn-cs"/>
-              </a:rPr>
-              <a:t>’</a:t>
-            </a:r>
-            <a:r>
-              <a:rPr lang="en-US" altLang="ja-JP" sz="1200" kern="1200" baseline="0" dirty="0" smtClean="0">
-                <a:solidFill>
-                  <a:schemeClr val="tx1"/>
-                </a:solidFill>
-                <a:latin typeface="+mn-lt"/>
-                <a:ea typeface="+mn-ea"/>
-                <a:cs typeface="+mn-cs"/>
-              </a:rPr>
-              <a:t>t ask us anything difficult!</a:t>
-            </a:r>
+              <a:t>meow</a:t>
+            </a:r>
+            <a:endParaRPr lang="en-US" altLang="ja-JP" sz="1200" kern="1200" baseline="0" dirty="0" smtClean="0">
+              <a:solidFill>
+                <a:schemeClr val="tx1"/>
+              </a:solidFill>
+              <a:latin typeface="+mn-lt"/>
+              <a:ea typeface="+mn-ea"/>
+              <a:cs typeface="+mn-cs"/>
+            </a:endParaRPr>
           </a:p>
         </p:txBody>
       </p:sp>
@@ -1083,7 +1218,7 @@
           <a:p>
             <a:fld id="{6100224D-0E9C-C04C-8D85-E4CE9ACE5D30}" type="slidenum">
               <a:rPr lang="en-US" smtClean="0"/>
-              <a:t>14</a:t>
+              <a:t>16</a:t>
             </a:fld>
             <a:endParaRPr lang="en-US"/>
           </a:p>
@@ -1149,13 +1284,29 @@
             <a:pPr marL="0" indent="0">
               <a:buNone/>
             </a:pPr>
-            <a:endParaRPr lang="en-US" sz="1800" dirty="0" smtClean="0"/>
+            <a:r>
+              <a:rPr lang="en-US" sz="1800" dirty="0" smtClean="0"/>
+              <a:t>REW: For our final presentation for this term,</a:t>
+            </a:r>
+            <a:r>
+              <a:rPr lang="en-US" sz="1800" baseline="0" dirty="0" smtClean="0"/>
+              <a:t> we’ll be discussing the progress we’ve made since our midterm demonstration</a:t>
+            </a:r>
           </a:p>
           <a:p>
             <a:pPr marL="0" indent="0">
-              <a:buFontTx/>
               <a:buNone/>
             </a:pPr>
+            <a:r>
+              <a:rPr lang="en-US" sz="1800" baseline="0" dirty="0" smtClean="0"/>
+              <a:t>This includes what’s different, what’s new, and what’s next! </a:t>
+            </a:r>
+            <a:r>
+              <a:rPr lang="en-US" sz="1800" baseline="0" dirty="0" smtClean="0">
+                <a:sym typeface="Wingdings"/>
+              </a:rPr>
+              <a:t></a:t>
+            </a:r>
             <a:endParaRPr lang="en-US" dirty="0" smtClean="0"/>
           </a:p>
           <a:p>
@@ -1249,7 +1400,21 @@
             </a:pPr>
             <a:r>
               <a:rPr lang="en-US" dirty="0" smtClean="0"/>
-              <a:t>What we changed</a:t>
+              <a:t>REW:</a:t>
+            </a:r>
+          </a:p>
+          <a:p>
+            <a:pPr marL="171450" indent="-171450">
+              <a:buFontTx/>
+              <a:buChar char="-"/>
+            </a:pPr>
+            <a:r>
+              <a:rPr lang="en-US" dirty="0" smtClean="0"/>
+              <a:t>What </a:t>
+            </a:r>
+            <a:r>
+              <a:rPr lang="en-US" dirty="0" smtClean="0"/>
+              <a:t>we changed</a:t>
             </a:r>
           </a:p>
           <a:p>
@@ -1385,7 +1550,11 @@
             </a:pPr>
             <a:r>
               <a:rPr lang="en-US" dirty="0" smtClean="0"/>
-              <a:t>New mockups created – browse apps by category instead of by name, easier for users to understand</a:t>
+              <a:t>TIAN: One of the suggestions we received during our</a:t>
+            </a:r>
+            <a:r>
+              <a:rPr lang="en-US" baseline="0" dirty="0" smtClean="0"/>
+              <a:t> midterm demo was that we should give our users the ability to browse apps by category. So, we tweaked our designs to add this feature to our app store page while retaining the ability to search for a specific app. This will make it easier for users to find apps for their desired purpose or to filter searches by the type of app.</a:t>
             </a:r>
             <a:endParaRPr lang="en-US" dirty="0"/>
           </a:p>
@@ -1490,78 +1659,12 @@
             </a:pPr>
             <a:r>
               <a:rPr lang="en-US" dirty="0" smtClean="0"/>
-              <a:t>Replaced GWT with </a:t>
-            </a:r>
-            <a:r>
-              <a:rPr lang="en-US" dirty="0" err="1" smtClean="0"/>
-              <a:t>AngularJS</a:t>
-            </a:r>
-            <a:r>
-              <a:rPr lang="en-US" dirty="0" smtClean="0"/>
-              <a:t> (took some work)</a:t>
-            </a:r>
-          </a:p>
-          <a:p>
-            <a:pPr marL="0" marR="0" indent="0" algn="l" defTabSz="457200" rtl="0" eaLnBrk="1" fontAlgn="auto" latinLnBrk="0" hangingPunct="1">
-              <a:lnSpc>
-                <a:spcPct val="100000"/>
-              </a:lnSpc>
-              <a:spcBef>
-                <a:spcPts val="0"/>
-              </a:spcBef>
-              <a:spcAft>
-                <a:spcPts val="0"/>
-              </a:spcAft>
-              <a:buClrTx/>
-              <a:buSzTx/>
-              <a:buFontTx/>
-              <a:buNone/>
-              <a:tabLst/>
-              <a:defRPr/>
-            </a:pPr>
-            <a:endParaRPr lang="en-US" dirty="0" smtClean="0"/>
-          </a:p>
-          <a:p>
-            <a:pPr marL="0" marR="0" indent="0" algn="l" defTabSz="457200" rtl="0" eaLnBrk="1" fontAlgn="auto" latinLnBrk="0" hangingPunct="1">
-              <a:lnSpc>
-                <a:spcPct val="100000"/>
-              </a:lnSpc>
-              <a:spcBef>
-                <a:spcPts val="0"/>
-              </a:spcBef>
-              <a:spcAft>
-                <a:spcPts val="0"/>
-              </a:spcAft>
-              <a:buClrTx/>
-              <a:buSzTx/>
-              <a:buFontTx/>
-              <a:buNone/>
-              <a:tabLst/>
-              <a:defRPr/>
-            </a:pPr>
-            <a:r>
-              <a:rPr lang="en-US" dirty="0" smtClean="0"/>
-              <a:t>Switched to using Twitter bootstrap</a:t>
-            </a:r>
-          </a:p>
-          <a:p>
-            <a:pPr marL="0" marR="0" indent="0" algn="l" defTabSz="457200" rtl="0" eaLnBrk="1" fontAlgn="auto" latinLnBrk="0" hangingPunct="1">
-              <a:lnSpc>
-                <a:spcPct val="100000"/>
-              </a:lnSpc>
-              <a:spcBef>
-                <a:spcPts val="0"/>
-              </a:spcBef>
-              <a:spcAft>
-                <a:spcPts val="0"/>
-              </a:spcAft>
-              <a:buClrTx/>
-              <a:buSzTx/>
-              <a:buFontTx/>
-              <a:buNone/>
-              <a:tabLst/>
-              <a:defRPr/>
-            </a:pPr>
+              <a:t>TIAN: Another suggestion</a:t>
+            </a:r>
+            <a:r>
+              <a:rPr lang="en-US" baseline="0" dirty="0" smtClean="0"/>
+              <a:t> we received during our midterm demo was to switch from GWT to a more developer-friendly framework, which was a move we were already considering. So, after a few major refactors, we made the conversion to Angular JS. Additionally, we’ve revamped our UI by making use of the Twitter Bootstrap for our webpages.</a:t>
+            </a:r>
             <a:endParaRPr lang="en-US" dirty="0" smtClean="0"/>
           </a:p>
         </p:txBody>
@@ -1652,11 +1755,15 @@
             </a:pPr>
             <a:r>
               <a:rPr lang="en-US" dirty="0" smtClean="0"/>
-              <a:t>What</a:t>
+              <a:t>REW: What</a:t>
             </a:r>
             <a:r>
               <a:rPr lang="en-US" baseline="0" dirty="0" smtClean="0"/>
-              <a:t>’s new</a:t>
+              <a:t>’s </a:t>
+            </a:r>
+            <a:r>
+              <a:rPr lang="en-US" baseline="0" dirty="0" smtClean="0"/>
+              <a:t>new</a:t>
             </a:r>
           </a:p>
           <a:p>
@@ -1813,22 +1920,121 @@
             </a:pPr>
             <a:r>
               <a:rPr lang="en-US" sz="1200" dirty="0" smtClean="0"/>
-              <a:t>Added Continuous Integration (Jenkins CI)</a:t>
-            </a:r>
-          </a:p>
-          <a:p>
-            <a:pPr marL="628650" lvl="1" indent="-171450">
-              <a:buFontTx/>
-              <a:buChar char="-"/>
+              <a:t>Registered domain name </a:t>
+            </a:r>
+            <a:r>
+              <a:rPr lang="en-US" sz="1200" dirty="0" err="1" smtClean="0"/>
+              <a:t>ailurus.ca</a:t>
+            </a:r>
+            <a:r>
+              <a:rPr lang="en-US" sz="1200" dirty="0" smtClean="0"/>
+              <a:t>:</a:t>
+            </a:r>
+          </a:p>
+          <a:p>
+            <a:pPr marL="0" indent="0">
+              <a:buNone/>
             </a:pPr>
-            <a:endParaRPr lang="en-US" baseline="0" dirty="0" smtClean="0"/>
-          </a:p>
-          <a:p>
-            <a:pPr marL="628650" lvl="1" indent="-171450">
-              <a:buFontTx/>
-              <a:buChar char="-"/>
+            <a:r>
+              <a:rPr lang="en-US" sz="1200" dirty="0" smtClean="0"/>
+              <a:t>	DNS Entry *.</a:t>
+            </a:r>
+            <a:r>
+              <a:rPr lang="en-US" sz="1200" dirty="0" err="1" smtClean="0"/>
+              <a:t>ailurus.ca</a:t>
+            </a:r>
+            <a:r>
+              <a:rPr lang="en-US" sz="1200" dirty="0" smtClean="0"/>
+              <a:t> -&gt; </a:t>
+            </a:r>
+            <a:r>
+              <a:rPr lang="en-US" sz="1200" dirty="0" err="1" smtClean="0"/>
+              <a:t>nginx</a:t>
+            </a:r>
+            <a:r>
+              <a:rPr lang="en-US" sz="1200" dirty="0" smtClean="0"/>
+              <a:t> reverse proxy locally</a:t>
+            </a:r>
+          </a:p>
+          <a:p>
+            <a:pPr marL="0" indent="0">
+              <a:buNone/>
             </a:pPr>
-            <a:endParaRPr lang="en-US" baseline="0" dirty="0" smtClean="0"/>
+            <a:r>
+              <a:rPr lang="en-US" sz="1200" dirty="0" smtClean="0"/>
+              <a:t>	</a:t>
+            </a:r>
+            <a:r>
+              <a:rPr lang="en-US" sz="1200" dirty="0" err="1" smtClean="0"/>
+              <a:t>phab.ailurus.ca</a:t>
+            </a:r>
+            <a:r>
+              <a:rPr lang="en-US" sz="1200" dirty="0" smtClean="0"/>
+              <a:t> – project tracking</a:t>
+            </a:r>
+          </a:p>
+          <a:p>
+            <a:pPr marL="0" indent="0">
+              <a:buNone/>
+            </a:pPr>
+            <a:r>
+              <a:rPr lang="en-US" sz="1200" dirty="0" smtClean="0"/>
+              <a:t>	</a:t>
+            </a:r>
+            <a:r>
+              <a:rPr lang="en-US" sz="1200" dirty="0" err="1" smtClean="0"/>
+              <a:t>ci.ailurus.ca</a:t>
+            </a:r>
+            <a:r>
+              <a:rPr lang="en-US" sz="1200" dirty="0" smtClean="0"/>
+              <a:t> – Jenkins CI</a:t>
+            </a:r>
+          </a:p>
+          <a:p>
+            <a:pPr marL="0" indent="0">
+              <a:buNone/>
+            </a:pPr>
+            <a:r>
+              <a:rPr lang="en-US" sz="1200" dirty="0" smtClean="0"/>
+              <a:t>	</a:t>
+            </a:r>
+            <a:r>
+              <a:rPr lang="en-US" sz="1200" dirty="0" err="1" smtClean="0"/>
+              <a:t>pi.ailurus.ca</a:t>
+            </a:r>
+            <a:r>
+              <a:rPr lang="en-US" sz="1200" dirty="0" smtClean="0"/>
+              <a:t> </a:t>
+            </a:r>
+            <a:r>
+              <a:rPr lang="en-US" sz="1200" dirty="0" smtClean="0"/>
+              <a:t>– Raspberry Pi prod endpoint</a:t>
+            </a:r>
+          </a:p>
+          <a:p>
+            <a:pPr marL="0" indent="0">
+              <a:buNone/>
+            </a:pPr>
+            <a:r>
+              <a:rPr lang="en-US" sz="1200" dirty="0" smtClean="0"/>
+              <a:t>	</a:t>
+            </a:r>
+            <a:r>
+              <a:rPr lang="en-US" sz="1200" dirty="0" err="1" smtClean="0"/>
+              <a:t>test.ailurus.ca</a:t>
+            </a:r>
+            <a:r>
+              <a:rPr lang="en-US" sz="1200" dirty="0" smtClean="0"/>
+              <a:t> – </a:t>
+            </a:r>
+            <a:r>
+              <a:rPr lang="en-US" sz="1200" dirty="0" err="1" smtClean="0"/>
+              <a:t>Debian</a:t>
+            </a:r>
+            <a:r>
+              <a:rPr lang="en-US" sz="1200" dirty="0" smtClean="0"/>
+              <a:t> test endpoint</a:t>
+            </a:r>
           </a:p>
         </p:txBody>
       </p:sp>
@@ -1917,15 +2123,11 @@
             </a:pPr>
             <a:r>
               <a:rPr lang="en-US" sz="1200" dirty="0" smtClean="0"/>
-              <a:t>Registered domain name </a:t>
-            </a:r>
-            <a:r>
-              <a:rPr lang="en-US" sz="1200" dirty="0" err="1" smtClean="0"/>
-              <a:t>ailurus.ca</a:t>
-            </a:r>
-            <a:r>
-              <a:rPr lang="en-US" sz="1200" dirty="0" smtClean="0"/>
-              <a:t>:</a:t>
+              <a:t>RICHARD: To help with our build process, we’ve started</a:t>
+            </a:r>
+            <a:r>
+              <a:rPr lang="en-US" sz="1200" baseline="0" dirty="0" smtClean="0"/>
+              <a:t> using continuous integration, provided by Jenkins.</a:t>
             </a:r>
           </a:p>
           <a:p>
@@ -1933,102 +2135,25 @@
               <a:buNone/>
             </a:pPr>
             <a:r>
-              <a:rPr lang="en-US" sz="1200" dirty="0" smtClean="0"/>
-              <a:t>	DNS Entry *.</a:t>
-            </a:r>
-            <a:r>
-              <a:rPr lang="en-US" sz="1200" dirty="0" err="1" smtClean="0"/>
-              <a:t>ailurus.ca</a:t>
-            </a:r>
-            <a:r>
-              <a:rPr lang="en-US" sz="1200" dirty="0" smtClean="0"/>
-              <a:t> -&gt; </a:t>
-            </a:r>
-            <a:r>
-              <a:rPr lang="en-US" sz="1200" dirty="0" err="1" smtClean="0"/>
-              <a:t>nginx</a:t>
-            </a:r>
-            <a:r>
-              <a:rPr lang="en-US" sz="1200" dirty="0" smtClean="0"/>
-              <a:t> reverse proxy locally</a:t>
-            </a:r>
-          </a:p>
-          <a:p>
-            <a:pPr marL="0" indent="0">
-              <a:buNone/>
+              <a:rPr lang="en-US" sz="1200" baseline="0" dirty="0" smtClean="0"/>
+              <a:t>Show him our </a:t>
+            </a:r>
+            <a:r>
+              <a:rPr lang="en-US" sz="1200" baseline="0" dirty="0" err="1" smtClean="0"/>
+              <a:t>jenkins</a:t>
+            </a:r>
+            <a:r>
+              <a:rPr lang="en-US" sz="1200" baseline="0" dirty="0" smtClean="0"/>
+              <a:t>, how the tests are run automatically after each commit</a:t>
+            </a:r>
+            <a:endParaRPr lang="en-US" baseline="0" dirty="0" smtClean="0"/>
+          </a:p>
+          <a:p>
+            <a:pPr marL="628650" lvl="1" indent="-171450">
+              <a:buFontTx/>
+              <a:buChar char="-"/>
             </a:pPr>
-            <a:r>
-              <a:rPr lang="en-US" sz="1200" dirty="0" smtClean="0"/>
-              <a:t>	</a:t>
-            </a:r>
-            <a:r>
-              <a:rPr lang="en-US" sz="1200" dirty="0" err="1" smtClean="0"/>
-              <a:t>phab.ailurus.ca</a:t>
-            </a:r>
-            <a:r>
-              <a:rPr lang="en-US" sz="1200" dirty="0" smtClean="0"/>
-              <a:t> – project tracking</a:t>
-            </a:r>
-          </a:p>
-          <a:p>
-            <a:pPr marL="0" indent="0">
-              <a:buNone/>
-            </a:pPr>
-            <a:r>
-              <a:rPr lang="en-US" sz="1200" dirty="0" smtClean="0"/>
-              <a:t>	</a:t>
-            </a:r>
-            <a:r>
-              <a:rPr lang="en-US" sz="1200" dirty="0" err="1" smtClean="0"/>
-              <a:t>ci.ailurus.ca</a:t>
-            </a:r>
-            <a:r>
-              <a:rPr lang="en-US" sz="1200" dirty="0" smtClean="0"/>
-              <a:t> – Jenkins CI</a:t>
-            </a:r>
-          </a:p>
-          <a:p>
-            <a:pPr marL="0" indent="0">
-              <a:buNone/>
-            </a:pPr>
-            <a:r>
-              <a:rPr lang="en-US" sz="1200" dirty="0" smtClean="0"/>
-              <a:t>	</a:t>
-            </a:r>
-            <a:r>
-              <a:rPr lang="en-US" sz="1200" dirty="0" err="1" smtClean="0"/>
-              <a:t>prod.ailurus.ca</a:t>
-            </a:r>
-            <a:r>
-              <a:rPr lang="en-US" sz="1200" dirty="0" smtClean="0"/>
-              <a:t> – Raspberry Pi prod endpoint</a:t>
-            </a:r>
-          </a:p>
-          <a:p>
-            <a:pPr marL="0" indent="0">
-              <a:buNone/>
-            </a:pPr>
-            <a:r>
-              <a:rPr lang="en-US" sz="1200" dirty="0" smtClean="0"/>
-              <a:t>	</a:t>
-            </a:r>
-            <a:r>
-              <a:rPr lang="en-US" sz="1200" dirty="0" err="1" smtClean="0"/>
-              <a:t>test.ailurus.ca</a:t>
-            </a:r>
-            <a:r>
-              <a:rPr lang="en-US" sz="1200" dirty="0" smtClean="0"/>
-              <a:t> – </a:t>
-            </a:r>
-            <a:r>
-              <a:rPr lang="en-US" sz="1200" dirty="0" err="1" smtClean="0"/>
-              <a:t>Debian</a:t>
-            </a:r>
-            <a:r>
-              <a:rPr lang="en-US" sz="1200" dirty="0" smtClean="0"/>
-              <a:t> test endpoint</a:t>
-            </a:r>
-            <a:endParaRPr lang="en-US" sz="1200" dirty="0" smtClean="0"/>
+            <a:endParaRPr lang="en-US" baseline="0" dirty="0" smtClean="0"/>
           </a:p>
         </p:txBody>
       </p:sp>
@@ -2117,7 +2242,11 @@
             </a:pPr>
             <a:r>
               <a:rPr lang="en-US" sz="1200" dirty="0" smtClean="0"/>
-              <a:t>Usability reviews and </a:t>
+              <a:t>JANE: Usability </a:t>
+            </a:r>
+            <a:r>
+              <a:rPr lang="en-US" sz="1200" dirty="0" smtClean="0"/>
+              <a:t>reviews and </a:t>
             </a:r>
             <a:r>
               <a:rPr lang="en-US" sz="1200" dirty="0" err="1" smtClean="0"/>
@@ -2381,7 +2510,7 @@
           <a:p>
             <a:fld id="{746F0F3D-0930-9946-A1D3-60FEEE31CA43}" type="datetimeFigureOut">
               <a:rPr lang="en-US" smtClean="0"/>
-              <a:t>2014-08-14</a:t>
+              <a:t>2014-08-15</a:t>
             </a:fld>
             <a:endParaRPr lang="en-US"/>
           </a:p>
@@ -2551,7 +2680,7 @@
           <a:p>
             <a:fld id="{746F0F3D-0930-9946-A1D3-60FEEE31CA43}" type="datetimeFigureOut">
               <a:rPr lang="en-US" smtClean="0"/>
-              <a:t>2014-08-14</a:t>
+              <a:t>2014-08-15</a:t>
             </a:fld>
             <a:endParaRPr lang="en-US"/>
           </a:p>
@@ -2731,7 +2860,7 @@
           <a:p>
             <a:fld id="{746F0F3D-0930-9946-A1D3-60FEEE31CA43}" type="datetimeFigureOut">
               <a:rPr lang="en-US" smtClean="0"/>
-              <a:t>2014-08-14</a:t>
+              <a:t>2014-08-15</a:t>
             </a:fld>
             <a:endParaRPr lang="en-US"/>
           </a:p>
@@ -2901,7 +3030,7 @@
           <a:p>
             <a:fld id="{746F0F3D-0930-9946-A1D3-60FEEE31CA43}" type="datetimeFigureOut">
               <a:rPr lang="en-US" smtClean="0"/>
-              <a:t>2014-08-14</a:t>
+              <a:t>2014-08-15</a:t>
             </a:fld>
             <a:endParaRPr lang="en-US"/>
           </a:p>
@@ -3147,7 +3276,7 @@
           <a:p>
             <a:fld id="{746F0F3D-0930-9946-A1D3-60FEEE31CA43}" type="datetimeFigureOut">
               <a:rPr lang="en-US" smtClean="0"/>
-              <a:t>2014-08-14</a:t>
+              <a:t>2014-08-15</a:t>
             </a:fld>
             <a:endParaRPr lang="en-US"/>
           </a:p>
@@ -3435,7 +3564,7 @@
           <a:p>
             <a:fld id="{746F0F3D-0930-9946-A1D3-60FEEE31CA43}" type="datetimeFigureOut">
               <a:rPr lang="en-US" smtClean="0"/>
-              <a:t>2014-08-14</a:t>
+              <a:t>2014-08-15</a:t>
             </a:fld>
             <a:endParaRPr lang="en-US"/>
           </a:p>
@@ -3857,7 +3986,7 @@
           <a:p>
             <a:fld id="{746F0F3D-0930-9946-A1D3-60FEEE31CA43}" type="datetimeFigureOut">
               <a:rPr lang="en-US" smtClean="0"/>
-              <a:t>2014-08-14</a:t>
+              <a:t>2014-08-15</a:t>
             </a:fld>
             <a:endParaRPr lang="en-US"/>
           </a:p>
@@ -3975,7 +4104,7 @@
           <a:p>
             <a:fld id="{746F0F3D-0930-9946-A1D3-60FEEE31CA43}" type="datetimeFigureOut">
               <a:rPr lang="en-US" smtClean="0"/>
-              <a:t>2014-08-14</a:t>
+              <a:t>2014-08-15</a:t>
             </a:fld>
             <a:endParaRPr lang="en-US"/>
           </a:p>
@@ -4070,7 +4199,7 @@
           <a:p>
             <a:fld id="{746F0F3D-0930-9946-A1D3-60FEEE31CA43}" type="datetimeFigureOut">
               <a:rPr lang="en-US" smtClean="0"/>
-              <a:t>2014-08-14</a:t>
+              <a:t>2014-08-15</a:t>
             </a:fld>
             <a:endParaRPr lang="en-US"/>
           </a:p>
@@ -4347,7 +4476,7 @@
           <a:p>
             <a:fld id="{746F0F3D-0930-9946-A1D3-60FEEE31CA43}" type="datetimeFigureOut">
               <a:rPr lang="en-US" smtClean="0"/>
-              <a:t>2014-08-14</a:t>
+              <a:t>2014-08-15</a:t>
             </a:fld>
             <a:endParaRPr lang="en-US"/>
           </a:p>
@@ -4600,7 +4729,7 @@
           <a:p>
             <a:fld id="{746F0F3D-0930-9946-A1D3-60FEEE31CA43}" type="datetimeFigureOut">
               <a:rPr lang="en-US" smtClean="0"/>
-              <a:t>2014-08-14</a:t>
+              <a:t>2014-08-15</a:t>
             </a:fld>
             <a:endParaRPr lang="en-US"/>
           </a:p>
@@ -4816,7 +4945,7 @@
           <a:p>
             <a:fld id="{746F0F3D-0930-9946-A1D3-60FEEE31CA43}" type="datetimeFigureOut">
               <a:rPr lang="en-US" smtClean="0"/>
-              <a:t>2014-08-14</a:t>
+              <a:t>2014-08-15</a:t>
             </a:fld>
             <a:endParaRPr lang="en-US"/>
           </a:p>
@@ -5502,7 +5631,23 @@
                   <a:schemeClr val="bg1"/>
                 </a:solidFill>
               </a:rPr>
-              <a:t>New mock-ups</a:t>
+              <a:t>Low-fidelity</a:t>
+            </a:r>
+            <a:r>
+              <a:rPr lang="en-US" dirty="0" smtClean="0">
+                <a:solidFill>
+                  <a:schemeClr val="bg1"/>
+                </a:solidFill>
+              </a:rPr>
+              <a:t> </a:t>
+            </a:r>
+            <a:r>
+              <a:rPr lang="en-US" dirty="0" smtClean="0">
+                <a:solidFill>
+                  <a:schemeClr val="bg1"/>
+                </a:solidFill>
+              </a:rPr>
+              <a:t>mock-ups</a:t>
             </a:r>
             <a:endParaRPr lang="en-US" dirty="0">
               <a:solidFill>
@@ -7136,6 +7281,461 @@
       </p:grpSpPr>
       <p:sp>
         <p:nvSpPr>
+          <p:cNvPr id="35" name="10-Point Star 34"/>
+          <p:cNvSpPr/>
+          <p:nvPr/>
+        </p:nvSpPr>
+        <p:spPr>
+          <a:xfrm>
+            <a:off x="1372722" y="1693254"/>
+            <a:ext cx="6388933" cy="4733415"/>
+          </a:xfrm>
+          <a:prstGeom prst="star10">
+            <a:avLst/>
+          </a:prstGeom>
+          <a:solidFill>
+            <a:srgbClr val="F79646"/>
+          </a:solidFill>
+          <a:ln w="57150" cmpd="sng">
+            <a:solidFill>
+              <a:srgbClr val="FFE9D8"/>
+            </a:solidFill>
+          </a:ln>
+          <a:effectLst/>
+        </p:spPr>
+        <p:style>
+          <a:lnRef idx="1">
+            <a:schemeClr val="accent1"/>
+          </a:lnRef>
+          <a:fillRef idx="3">
+            <a:schemeClr val="accent1"/>
+          </a:fillRef>
+          <a:effectRef idx="2">
+            <a:schemeClr val="accent1"/>
+          </a:effectRef>
+          <a:fontRef idx="minor">
+            <a:schemeClr val="lt1"/>
+          </a:fontRef>
+        </p:style>
+        <p:txBody>
+          <a:bodyPr rot="0" spcFirstLastPara="0" vertOverflow="overflow" horzOverflow="overflow" vert="horz" wrap="square" lIns="91440" tIns="45720" rIns="91440" bIns="45720" numCol="1" spcCol="0" rtlCol="0" fromWordArt="0" anchor="ctr" anchorCtr="0" forceAA="0" compatLnSpc="1">
+            <a:prstTxWarp prst="textNoShape">
+              <a:avLst/>
+            </a:prstTxWarp>
+            <a:noAutofit/>
+          </a:bodyPr>
+          <a:lstStyle/>
+          <a:p>
+            <a:pPr algn="ctr"/>
+            <a:endParaRPr lang="en-CA" dirty="0" smtClean="0">
+              <a:solidFill>
+                <a:srgbClr val="FE9941"/>
+              </a:solidFill>
+              <a:latin typeface="Helvetica Neue Light"/>
+              <a:cs typeface="Helvetica Neue Light"/>
+            </a:endParaRPr>
+          </a:p>
+        </p:txBody>
+      </p:sp>
+      <p:sp>
+        <p:nvSpPr>
+          <p:cNvPr id="2" name="Title 1"/>
+          <p:cNvSpPr>
+            <a:spLocks noGrp="1"/>
+          </p:cNvSpPr>
+          <p:nvPr>
+            <p:ph type="title"/>
+          </p:nvPr>
+        </p:nvSpPr>
+        <p:spPr/>
+        <p:txBody>
+          <a:bodyPr/>
+          <a:lstStyle/>
+          <a:p>
+            <a:pPr algn="l"/>
+            <a:r>
+              <a:rPr lang="en-US" dirty="0" smtClean="0">
+                <a:solidFill>
+                  <a:schemeClr val="bg1"/>
+                </a:solidFill>
+              </a:rPr>
+              <a:t>New </a:t>
+            </a:r>
+            <a:r>
+              <a:rPr lang="en-US" dirty="0" smtClean="0">
+                <a:solidFill>
+                  <a:schemeClr val="bg1"/>
+                </a:solidFill>
+              </a:rPr>
+              <a:t>apps</a:t>
+            </a:r>
+            <a:endParaRPr lang="en-US" dirty="0">
+              <a:solidFill>
+                <a:schemeClr val="bg1"/>
+              </a:solidFill>
+            </a:endParaRPr>
+          </a:p>
+        </p:txBody>
+      </p:sp>
+      <p:grpSp>
+        <p:nvGrpSpPr>
+          <p:cNvPr id="37" name="Group 36"/>
+          <p:cNvGrpSpPr/>
+          <p:nvPr/>
+        </p:nvGrpSpPr>
+        <p:grpSpPr>
+          <a:xfrm>
+            <a:off x="4333974" y="3489699"/>
+            <a:ext cx="2001354" cy="1680596"/>
+            <a:chOff x="4333974" y="3489699"/>
+            <a:chExt cx="2001354" cy="1680596"/>
+          </a:xfrm>
+        </p:grpSpPr>
+        <p:sp>
+          <p:nvSpPr>
+            <p:cNvPr id="7" name="Rectangle 6"/>
+            <p:cNvSpPr/>
+            <p:nvPr/>
+          </p:nvSpPr>
+          <p:spPr>
+            <a:xfrm>
+              <a:off x="4346804" y="3720597"/>
+              <a:ext cx="1449698" cy="1449698"/>
+            </a:xfrm>
+            <a:prstGeom prst="rect">
+              <a:avLst/>
+            </a:prstGeom>
+            <a:solidFill>
+              <a:schemeClr val="accent6"/>
+            </a:solidFill>
+            <a:ln w="57150" cmpd="sng">
+              <a:solidFill>
+                <a:srgbClr val="FFE9D8"/>
+              </a:solidFill>
+            </a:ln>
+            <a:effectLst/>
+          </p:spPr>
+          <p:style>
+            <a:lnRef idx="1">
+              <a:schemeClr val="accent1"/>
+            </a:lnRef>
+            <a:fillRef idx="3">
+              <a:schemeClr val="accent1"/>
+            </a:fillRef>
+            <a:effectRef idx="2">
+              <a:schemeClr val="accent1"/>
+            </a:effectRef>
+            <a:fontRef idx="minor">
+              <a:schemeClr val="lt1"/>
+            </a:fontRef>
+          </p:style>
+          <p:txBody>
+            <a:bodyPr rot="0" spcFirstLastPara="0" vertOverflow="overflow" horzOverflow="overflow" vert="horz" wrap="square" lIns="91440" tIns="45720" rIns="91440" bIns="45720" numCol="1" spcCol="0" rtlCol="0" fromWordArt="0" anchor="ctr" anchorCtr="0" forceAA="0" compatLnSpc="1">
+              <a:prstTxWarp prst="textNoShape">
+                <a:avLst/>
+              </a:prstTxWarp>
+              <a:noAutofit/>
+            </a:bodyPr>
+            <a:lstStyle/>
+            <a:p>
+              <a:pPr algn="ctr"/>
+              <a:endParaRPr lang="en-CA" dirty="0" smtClean="0">
+                <a:solidFill>
+                  <a:srgbClr val="FE9941"/>
+                </a:solidFill>
+                <a:latin typeface="Helvetica Neue Light"/>
+                <a:cs typeface="Helvetica Neue Light"/>
+              </a:endParaRPr>
+            </a:p>
+          </p:txBody>
+        </p:sp>
+        <p:sp>
+          <p:nvSpPr>
+            <p:cNvPr id="8" name="Parallelogram 7"/>
+            <p:cNvSpPr/>
+            <p:nvPr/>
+          </p:nvSpPr>
+          <p:spPr>
+            <a:xfrm rot="5400000" flipH="1">
+              <a:off x="5238001" y="4070004"/>
+              <a:ext cx="1677632" cy="517022"/>
+            </a:xfrm>
+            <a:prstGeom prst="parallelogram">
+              <a:avLst>
+                <a:gd name="adj" fmla="val 44849"/>
+              </a:avLst>
+            </a:prstGeom>
+            <a:solidFill>
+              <a:srgbClr val="F79646"/>
+            </a:solidFill>
+            <a:ln w="57150" cmpd="sng">
+              <a:solidFill>
+                <a:srgbClr val="FFE9D8"/>
+              </a:solidFill>
+            </a:ln>
+            <a:effectLst/>
+          </p:spPr>
+          <p:style>
+            <a:lnRef idx="1">
+              <a:schemeClr val="accent1"/>
+            </a:lnRef>
+            <a:fillRef idx="3">
+              <a:schemeClr val="accent1"/>
+            </a:fillRef>
+            <a:effectRef idx="2">
+              <a:schemeClr val="accent1"/>
+            </a:effectRef>
+            <a:fontRef idx="minor">
+              <a:schemeClr val="lt1"/>
+            </a:fontRef>
+          </p:style>
+          <p:txBody>
+            <a:bodyPr rot="0" spcFirstLastPara="0" vertOverflow="overflow" horzOverflow="overflow" vert="horz" wrap="square" lIns="91440" tIns="45720" rIns="91440" bIns="45720" numCol="1" spcCol="0" rtlCol="0" fromWordArt="0" anchor="ctr" anchorCtr="0" forceAA="0" compatLnSpc="1">
+              <a:prstTxWarp prst="textNoShape">
+                <a:avLst/>
+              </a:prstTxWarp>
+              <a:noAutofit/>
+            </a:bodyPr>
+            <a:lstStyle/>
+            <a:p>
+              <a:pPr algn="ctr"/>
+              <a:endParaRPr lang="en-CA" dirty="0" smtClean="0">
+                <a:solidFill>
+                  <a:srgbClr val="FE9941"/>
+                </a:solidFill>
+                <a:latin typeface="Helvetica Neue Light"/>
+                <a:cs typeface="Helvetica Neue Light"/>
+              </a:endParaRPr>
+            </a:p>
+          </p:txBody>
+        </p:sp>
+        <p:sp>
+          <p:nvSpPr>
+            <p:cNvPr id="36" name="Parallelogram 35"/>
+            <p:cNvSpPr/>
+            <p:nvPr/>
+          </p:nvSpPr>
+          <p:spPr>
+            <a:xfrm>
+              <a:off x="4333974" y="3489699"/>
+              <a:ext cx="2001353" cy="230898"/>
+            </a:xfrm>
+            <a:prstGeom prst="parallelogram">
+              <a:avLst>
+                <a:gd name="adj" fmla="val 194806"/>
+              </a:avLst>
+            </a:prstGeom>
+            <a:solidFill>
+              <a:srgbClr val="F79646"/>
+            </a:solidFill>
+            <a:ln w="57150" cmpd="sng">
+              <a:solidFill>
+                <a:srgbClr val="FFE9D8"/>
+              </a:solidFill>
+            </a:ln>
+            <a:effectLst/>
+          </p:spPr>
+          <p:style>
+            <a:lnRef idx="1">
+              <a:schemeClr val="accent1"/>
+            </a:lnRef>
+            <a:fillRef idx="3">
+              <a:schemeClr val="accent1"/>
+            </a:fillRef>
+            <a:effectRef idx="2">
+              <a:schemeClr val="accent1"/>
+            </a:effectRef>
+            <a:fontRef idx="minor">
+              <a:schemeClr val="lt1"/>
+            </a:fontRef>
+          </p:style>
+          <p:txBody>
+            <a:bodyPr rot="0" spcFirstLastPara="0" vertOverflow="overflow" horzOverflow="overflow" vert="horz" wrap="square" lIns="91440" tIns="45720" rIns="91440" bIns="45720" numCol="1" spcCol="0" rtlCol="0" fromWordArt="0" anchor="ctr" anchorCtr="0" forceAA="0" compatLnSpc="1">
+              <a:prstTxWarp prst="textNoShape">
+                <a:avLst/>
+              </a:prstTxWarp>
+              <a:noAutofit/>
+            </a:bodyPr>
+            <a:lstStyle/>
+            <a:p>
+              <a:pPr algn="ctr"/>
+              <a:endParaRPr lang="en-CA" dirty="0" smtClean="0">
+                <a:solidFill>
+                  <a:srgbClr val="FE9941"/>
+                </a:solidFill>
+                <a:latin typeface="Helvetica Neue Light"/>
+                <a:cs typeface="Helvetica Neue Light"/>
+              </a:endParaRPr>
+            </a:p>
+          </p:txBody>
+        </p:sp>
+      </p:grpSp>
+      <p:grpSp>
+        <p:nvGrpSpPr>
+          <p:cNvPr id="22" name="Group 21"/>
+          <p:cNvGrpSpPr/>
+          <p:nvPr/>
+        </p:nvGrpSpPr>
+        <p:grpSpPr>
+          <a:xfrm flipH="1">
+            <a:off x="2949124" y="2807234"/>
+            <a:ext cx="2312837" cy="2271953"/>
+            <a:chOff x="1450604" y="2570147"/>
+            <a:chExt cx="2312837" cy="2271953"/>
+          </a:xfrm>
+        </p:grpSpPr>
+        <p:sp>
+          <p:nvSpPr>
+            <p:cNvPr id="3" name="Moon 2"/>
+            <p:cNvSpPr/>
+            <p:nvPr/>
+          </p:nvSpPr>
+          <p:spPr>
+            <a:xfrm rot="3306450">
+              <a:off x="2273518" y="1747233"/>
+              <a:ext cx="667010" cy="2312837"/>
+            </a:xfrm>
+            <a:prstGeom prst="moon">
+              <a:avLst/>
+            </a:prstGeom>
+            <a:solidFill>
+              <a:srgbClr val="FFE9D8"/>
+            </a:solidFill>
+            <a:ln>
+              <a:noFill/>
+            </a:ln>
+            <a:effectLst/>
+          </p:spPr>
+          <p:style>
+            <a:lnRef idx="1">
+              <a:schemeClr val="accent1"/>
+            </a:lnRef>
+            <a:fillRef idx="3">
+              <a:schemeClr val="accent1"/>
+            </a:fillRef>
+            <a:effectRef idx="2">
+              <a:schemeClr val="accent1"/>
+            </a:effectRef>
+            <a:fontRef idx="minor">
+              <a:schemeClr val="lt1"/>
+            </a:fontRef>
+          </p:style>
+          <p:txBody>
+            <a:bodyPr rot="0" spcFirstLastPara="0" vertOverflow="overflow" horzOverflow="overflow" vert="horz" wrap="square" lIns="91440" tIns="45720" rIns="91440" bIns="45720" numCol="1" spcCol="0" rtlCol="0" fromWordArt="0" anchor="ctr" anchorCtr="0" forceAA="0" compatLnSpc="1">
+              <a:prstTxWarp prst="textNoShape">
+                <a:avLst/>
+              </a:prstTxWarp>
+              <a:noAutofit/>
+            </a:bodyPr>
+            <a:lstStyle/>
+            <a:p>
+              <a:pPr algn="ctr"/>
+              <a:endParaRPr lang="en-CA" dirty="0" smtClean="0">
+                <a:solidFill>
+                  <a:srgbClr val="FE9941"/>
+                </a:solidFill>
+                <a:latin typeface="Helvetica Neue Light"/>
+                <a:cs typeface="Helvetica Neue Light"/>
+              </a:endParaRPr>
+            </a:p>
+          </p:txBody>
+        </p:sp>
+        <p:sp>
+          <p:nvSpPr>
+            <p:cNvPr id="4" name="Rectangle 3"/>
+            <p:cNvSpPr/>
+            <p:nvPr/>
+          </p:nvSpPr>
+          <p:spPr>
+            <a:xfrm rot="19334016">
+              <a:off x="3148078" y="2670489"/>
+              <a:ext cx="240478" cy="2171611"/>
+            </a:xfrm>
+            <a:prstGeom prst="rect">
+              <a:avLst/>
+            </a:prstGeom>
+            <a:solidFill>
+              <a:srgbClr val="FFE9D8"/>
+            </a:solidFill>
+            <a:ln>
+              <a:noFill/>
+            </a:ln>
+            <a:effectLst/>
+          </p:spPr>
+          <p:style>
+            <a:lnRef idx="1">
+              <a:schemeClr val="accent1"/>
+            </a:lnRef>
+            <a:fillRef idx="3">
+              <a:schemeClr val="accent1"/>
+            </a:fillRef>
+            <a:effectRef idx="2">
+              <a:schemeClr val="accent1"/>
+            </a:effectRef>
+            <a:fontRef idx="minor">
+              <a:schemeClr val="lt1"/>
+            </a:fontRef>
+          </p:style>
+          <p:txBody>
+            <a:bodyPr rot="0" spcFirstLastPara="0" vertOverflow="overflow" horzOverflow="overflow" vert="horz" wrap="square" lIns="91440" tIns="45720" rIns="91440" bIns="45720" numCol="1" spcCol="0" rtlCol="0" fromWordArt="0" anchor="ctr" anchorCtr="0" forceAA="0" compatLnSpc="1">
+              <a:prstTxWarp prst="textNoShape">
+                <a:avLst/>
+              </a:prstTxWarp>
+              <a:noAutofit/>
+            </a:bodyPr>
+            <a:lstStyle/>
+            <a:p>
+              <a:pPr algn="ctr"/>
+              <a:endParaRPr lang="en-CA" dirty="0" smtClean="0">
+                <a:solidFill>
+                  <a:srgbClr val="FE9941"/>
+                </a:solidFill>
+                <a:latin typeface="Helvetica Neue Light"/>
+                <a:cs typeface="Helvetica Neue Light"/>
+              </a:endParaRPr>
+            </a:p>
+          </p:txBody>
+        </p:sp>
+      </p:grpSp>
+    </p:spTree>
+    <p:extLst>
+      <p:ext uri="{BB962C8B-B14F-4D97-AF65-F5344CB8AC3E}">
+        <p14:creationId xmlns:p14="http://schemas.microsoft.com/office/powerpoint/2010/main" val="3441203934"/>
+      </p:ext>
+    </p:extLst>
+  </p:cSld>
+  <p:clrMapOvr>
+    <a:masterClrMapping/>
+  </p:clrMapOvr>
+  <p:timing>
+    <p:tnLst>
+      <p:par>
+        <p:cTn xmlns:p14="http://schemas.microsoft.com/office/powerpoint/2010/main" id="1" dur="indefinite" restart="never" nodeType="tmRoot"/>
+      </p:par>
+    </p:tnLst>
+  </p:timing>
+</p:sld>
+</file>
+
+<file path=ppt/slides/slide12.xml><?xml version="1.0" encoding="utf-8"?>
+<p:sld xmlns:a="http://schemas.openxmlformats.org/drawingml/2006/main" xmlns:r="http://schemas.openxmlformats.org/officeDocument/2006/relationships" xmlns:p="http://schemas.openxmlformats.org/presentationml/2006/main">
+  <p:cSld>
+    <p:spTree>
+      <p:nvGrpSpPr>
+        <p:cNvPr id="1" name=""/>
+        <p:cNvGrpSpPr/>
+        <p:nvPr/>
+      </p:nvGrpSpPr>
+      <p:grpSpPr>
+        <a:xfrm>
+          <a:off x="0" y="0"/>
+          <a:ext cx="0" cy="0"/>
+          <a:chOff x="0" y="0"/>
+          <a:chExt cx="0" cy="0"/>
+        </a:xfrm>
+      </p:grpSpPr>
+      <p:sp>
+        <p:nvSpPr>
           <p:cNvPr id="6" name="Round Same Side Corner Rectangle 5"/>
           <p:cNvSpPr/>
           <p:nvPr/>
@@ -7272,9 +7872,12 @@
             </a:r>
             <a:r>
               <a:rPr lang="en-US" altLang="ja-JP" sz="2800" dirty="0" smtClean="0"/>
-              <a:t>Create product site</a:t>
-            </a:r>
-            <a:endParaRPr lang="en-US" sz="2800" dirty="0"/>
+              <a:t>Create product </a:t>
+            </a:r>
+            <a:r>
+              <a:rPr lang="en-US" altLang="ja-JP" sz="2800" dirty="0" smtClean="0"/>
+              <a:t>site</a:t>
+            </a:r>
           </a:p>
         </p:txBody>
       </p:sp>
@@ -7298,7 +7901,7 @@
 </p:sld>
 </file>
 
-<file path=ppt/slides/slide12.xml><?xml version="1.0" encoding="utf-8"?>
+<file path=ppt/slides/slide13.xml><?xml version="1.0" encoding="utf-8"?>
 <p:sld xmlns:a="http://schemas.openxmlformats.org/drawingml/2006/main" xmlns:r="http://schemas.openxmlformats.org/officeDocument/2006/relationships" xmlns:p="http://schemas.openxmlformats.org/presentationml/2006/main">
   <p:cSld>
     <p:spTree>
@@ -8089,7 +8692,7 @@
 </p:sld>
 </file>
 
-<file path=ppt/slides/slide13.xml><?xml version="1.0" encoding="utf-8"?>
+<file path=ppt/slides/slide14.xml><?xml version="1.0" encoding="utf-8"?>
 <p:sld xmlns:a="http://schemas.openxmlformats.org/drawingml/2006/main" xmlns:r="http://schemas.openxmlformats.org/officeDocument/2006/relationships" xmlns:p="http://schemas.openxmlformats.org/presentationml/2006/main">
   <p:cSld>
     <p:spTree>
@@ -8130,23 +8733,7 @@
                   <a:schemeClr val="bg1"/>
                 </a:solidFill>
               </a:rPr>
-              <a:t>Create </a:t>
-            </a:r>
-            <a:r>
-              <a:rPr lang="en-US" dirty="0" smtClean="0">
-                <a:solidFill>
-                  <a:schemeClr val="bg1"/>
-                </a:solidFill>
-              </a:rPr>
-              <a:t>product </a:t>
-            </a:r>
-            <a:r>
-              <a:rPr lang="en-US" dirty="0" smtClean="0">
-                <a:solidFill>
-                  <a:schemeClr val="bg1"/>
-                </a:solidFill>
-              </a:rPr>
-              <a:t>site</a:t>
+              <a:t>Create product site</a:t>
             </a:r>
             <a:endParaRPr lang="en-US" dirty="0">
               <a:solidFill>
@@ -8850,7 +9437,105 @@
 </p:sld>
 </file>
 
-<file path=ppt/slides/slide14.xml><?xml version="1.0" encoding="utf-8"?>
+<file path=ppt/slides/slide15.xml><?xml version="1.0" encoding="utf-8"?>
+<p:sld xmlns:a="http://schemas.openxmlformats.org/drawingml/2006/main" xmlns:r="http://schemas.openxmlformats.org/officeDocument/2006/relationships" xmlns:p="http://schemas.openxmlformats.org/presentationml/2006/main">
+  <p:cSld>
+    <p:spTree>
+      <p:nvGrpSpPr>
+        <p:cNvPr id="1" name=""/>
+        <p:cNvGrpSpPr/>
+        <p:nvPr/>
+      </p:nvGrpSpPr>
+      <p:grpSpPr>
+        <a:xfrm>
+          <a:off x="0" y="0"/>
+          <a:ext cx="0" cy="0"/>
+          <a:chOff x="0" y="0"/>
+          <a:chExt cx="0" cy="0"/>
+        </a:xfrm>
+      </p:grpSpPr>
+      <p:sp>
+        <p:nvSpPr>
+          <p:cNvPr id="5" name="Oval 4"/>
+          <p:cNvSpPr/>
+          <p:nvPr/>
+        </p:nvSpPr>
+        <p:spPr>
+          <a:xfrm>
+            <a:off x="2853963" y="1705282"/>
+            <a:ext cx="3436074" cy="3436074"/>
+          </a:xfrm>
+          <a:prstGeom prst="ellipse">
+            <a:avLst/>
+          </a:prstGeom>
+          <a:solidFill>
+            <a:schemeClr val="bg1">
+              <a:alpha val="80000"/>
+            </a:schemeClr>
+          </a:solidFill>
+          <a:ln>
+            <a:noFill/>
+          </a:ln>
+          <a:effectLst/>
+        </p:spPr>
+        <p:style>
+          <a:lnRef idx="1">
+            <a:schemeClr val="accent1"/>
+          </a:lnRef>
+          <a:fillRef idx="3">
+            <a:schemeClr val="accent1"/>
+          </a:fillRef>
+          <a:effectRef idx="2">
+            <a:schemeClr val="accent1"/>
+          </a:effectRef>
+          <a:fontRef idx="minor">
+            <a:schemeClr val="lt1"/>
+          </a:fontRef>
+        </p:style>
+        <p:txBody>
+          <a:bodyPr rot="0" spcFirstLastPara="0" vertOverflow="overflow" horzOverflow="overflow" vert="horz" wrap="square" lIns="91440" tIns="45720" rIns="91440" bIns="45720" numCol="1" spcCol="0" rtlCol="0" fromWordArt="0" anchor="ctr" anchorCtr="0" forceAA="0" compatLnSpc="1">
+            <a:prstTxWarp prst="textNoShape">
+              <a:avLst/>
+            </a:prstTxWarp>
+            <a:noAutofit/>
+          </a:bodyPr>
+          <a:lstStyle/>
+          <a:p>
+            <a:pPr algn="ctr"/>
+            <a:r>
+              <a:rPr lang="en-CA" sz="3600" b="1" dirty="0" smtClean="0">
+                <a:solidFill>
+                  <a:srgbClr val="FE9941"/>
+                </a:solidFill>
+                <a:latin typeface="Helvetica Neue Light"/>
+                <a:cs typeface="Helvetica Neue Light"/>
+              </a:rPr>
+              <a:t>Demos</a:t>
+            </a:r>
+            <a:endParaRPr lang="en-CA" sz="3600" dirty="0">
+              <a:solidFill>
+                <a:srgbClr val="FE9941"/>
+              </a:solidFill>
+              <a:latin typeface="Helvetica Neue Light"/>
+              <a:cs typeface="Helvetica Neue Light"/>
+            </a:endParaRPr>
+          </a:p>
+        </p:txBody>
+      </p:sp>
+    </p:spTree>
+    <p:extLst>
+      <p:ext uri="{BB962C8B-B14F-4D97-AF65-F5344CB8AC3E}">
+        <p14:creationId xmlns:p14="http://schemas.microsoft.com/office/powerpoint/2010/main" val="2829327319"/>
+      </p:ext>
+    </p:extLst>
+  </p:cSld>
+  <p:clrMapOvr>
+    <a:masterClrMapping/>
+  </p:clrMapOvr>
+</p:sld>
+</file>
+
+<file path=ppt/slides/slide16.xml><?xml version="1.0" encoding="utf-8"?>
 <p:sld xmlns:a="http://schemas.openxmlformats.org/drawingml/2006/main" xmlns:r="http://schemas.openxmlformats.org/officeDocument/2006/relationships" xmlns:p="http://schemas.openxmlformats.org/presentationml/2006/main">
   <p:cSld>
     <p:spTree>
@@ -9365,12 +10050,32 @@
               <a:buNone/>
             </a:pPr>
             <a:r>
-              <a:rPr lang="en-US" altLang="ja-JP" dirty="0"/>
+              <a:rPr lang="en-US" altLang="ja-JP" dirty="0" smtClean="0"/>
+              <a:t>→ Welcome page</a:t>
+            </a:r>
+            <a:endParaRPr lang="en-US" altLang="ja-JP" dirty="0" smtClean="0"/>
+          </a:p>
+          <a:p>
+            <a:pPr marL="57150" indent="0">
+              <a:buNone/>
+            </a:pPr>
+            <a:endParaRPr lang="en-US" altLang="ja-JP" dirty="0"/>
+          </a:p>
+          <a:p>
+            <a:pPr marL="57150" indent="0">
+              <a:buNone/>
+            </a:pPr>
+            <a:r>
+              <a:rPr lang="en-US" altLang="ja-JP" dirty="0" smtClean="0"/>
               <a:t>→ </a:t>
             </a:r>
             <a:r>
               <a:rPr lang="en-US" altLang="ja-JP" dirty="0" smtClean="0"/>
-              <a:t>Updated apps screen</a:t>
+              <a:t>A</a:t>
+            </a:r>
+            <a:r>
+              <a:rPr lang="en-US" altLang="ja-JP" dirty="0" smtClean="0"/>
+              <a:t>pp store design</a:t>
             </a:r>
             <a:endParaRPr lang="en-US" dirty="0" smtClean="0"/>
           </a:p>
@@ -9385,36 +10090,10 @@
               <a:buNone/>
             </a:pPr>
             <a:r>
-              <a:rPr lang="en-US" altLang="ja-JP" dirty="0"/>
-              <a:t>→ </a:t>
-            </a:r>
-            <a:r>
               <a:rPr lang="en-US" altLang="ja-JP" dirty="0" smtClean="0"/>
-              <a:t>Updated frontend</a:t>
-            </a:r>
-          </a:p>
-          <a:p>
-            <a:pPr marL="57150" indent="0">
-              <a:buNone/>
-            </a:pPr>
+              <a:t>→ Frontend technologies</a:t>
+            </a:r>
             <a:endParaRPr lang="en-US" altLang="ja-JP" dirty="0" smtClean="0"/>
-          </a:p>
-          <a:p>
-            <a:pPr marL="57150" indent="0">
-              <a:buNone/>
-            </a:pPr>
-            <a:r>
-              <a:rPr lang="en-US" altLang="ja-JP" dirty="0"/>
-              <a:t>→ </a:t>
-            </a:r>
-            <a:r>
-              <a:rPr lang="en-US" altLang="ja-JP" dirty="0" smtClean="0"/>
-              <a:t>Updated </a:t>
-            </a:r>
-            <a:r>
-              <a:rPr lang="en-US" altLang="ja-JP" dirty="0" smtClean="0"/>
-              <a:t>UI</a:t>
-            </a:r>
           </a:p>
         </p:txBody>
       </p:sp>
@@ -9477,7 +10156,7 @@
                   <a:schemeClr val="bg1"/>
                 </a:solidFill>
               </a:rPr>
-              <a:t>Updated apps screen</a:t>
+              <a:t>App store re-design</a:t>
             </a:r>
             <a:endParaRPr lang="en-CA" dirty="0">
               <a:solidFill>
@@ -9605,13 +10284,6 @@
               </a:rPr>
               <a:t>View All</a:t>
             </a:r>
-            <a:endParaRPr lang="en-CA" sz="2000" dirty="0" smtClean="0">
-              <a:solidFill>
-                <a:srgbClr val="FE9941"/>
-              </a:solidFill>
-              <a:latin typeface="Helvetica Neue Light"/>
-              <a:cs typeface="Helvetica Neue Light"/>
-            </a:endParaRPr>
           </a:p>
         </p:txBody>
       </p:sp>
@@ -9673,13 +10345,6 @@
               </a:rPr>
               <a:t>Browse by Category</a:t>
             </a:r>
-            <a:endParaRPr lang="en-CA" sz="2000" dirty="0" smtClean="0">
-              <a:solidFill>
-                <a:srgbClr val="FE9941"/>
-              </a:solidFill>
-              <a:latin typeface="Helvetica Neue Light"/>
-              <a:cs typeface="Helvetica Neue Light"/>
-            </a:endParaRPr>
           </a:p>
         </p:txBody>
       </p:sp>
@@ -9741,13 +10406,6 @@
               </a:rPr>
               <a:t>Search</a:t>
             </a:r>
-            <a:endParaRPr lang="en-CA" sz="2000" dirty="0" smtClean="0">
-              <a:solidFill>
-                <a:srgbClr val="FE9941"/>
-              </a:solidFill>
-              <a:latin typeface="Helvetica Neue Light"/>
-              <a:cs typeface="Helvetica Neue Light"/>
-            </a:endParaRPr>
           </a:p>
         </p:txBody>
       </p:sp>
@@ -9784,13 +10442,6 @@
               </a:rPr>
               <a:t>Personal</a:t>
             </a:r>
-            <a:endParaRPr lang="en-CA" sz="2000" dirty="0" smtClean="0">
-              <a:solidFill>
-                <a:schemeClr val="accent6"/>
-              </a:solidFill>
-              <a:latin typeface="Helvetica Neue Light"/>
-              <a:cs typeface="Helvetica Neue Light"/>
-            </a:endParaRPr>
           </a:p>
         </p:txBody>
       </p:sp>
@@ -9827,13 +10478,6 @@
               </a:rPr>
               <a:t>Business</a:t>
             </a:r>
-            <a:endParaRPr lang="en-CA" sz="2000" dirty="0" smtClean="0">
-              <a:solidFill>
-                <a:schemeClr val="accent6"/>
-              </a:solidFill>
-              <a:latin typeface="Helvetica Neue Light"/>
-              <a:cs typeface="Helvetica Neue Light"/>
-            </a:endParaRPr>
           </a:p>
         </p:txBody>
       </p:sp>
@@ -9870,13 +10514,6 @@
               </a:rPr>
               <a:t>Development</a:t>
             </a:r>
-            <a:endParaRPr lang="en-CA" sz="2000" dirty="0" smtClean="0">
-              <a:solidFill>
-                <a:schemeClr val="accent6"/>
-              </a:solidFill>
-              <a:latin typeface="Helvetica Neue Light"/>
-              <a:cs typeface="Helvetica Neue Light"/>
-            </a:endParaRPr>
           </a:p>
         </p:txBody>
       </p:sp>
@@ -9936,13 +10573,6 @@
               </a:rPr>
               <a:t>Blog</a:t>
             </a:r>
-            <a:endParaRPr lang="en-CA" sz="2000" dirty="0" smtClean="0">
-              <a:solidFill>
-                <a:schemeClr val="bg1"/>
-              </a:solidFill>
-              <a:latin typeface="Helvetica Neue Light"/>
-              <a:cs typeface="Helvetica Neue Light"/>
-            </a:endParaRPr>
           </a:p>
         </p:txBody>
       </p:sp>
@@ -10002,13 +10632,6 @@
               </a:rPr>
               <a:t>Profile Page</a:t>
             </a:r>
-            <a:endParaRPr lang="en-CA" sz="2000" dirty="0" smtClean="0">
-              <a:solidFill>
-                <a:schemeClr val="bg1"/>
-              </a:solidFill>
-              <a:latin typeface="Helvetica Neue Light"/>
-              <a:cs typeface="Helvetica Neue Light"/>
-            </a:endParaRPr>
           </a:p>
         </p:txBody>
       </p:sp>
@@ -10068,13 +10691,6 @@
               </a:rPr>
               <a:t>Game Server</a:t>
             </a:r>
-            <a:endParaRPr lang="en-CA" sz="2000" dirty="0" smtClean="0">
-              <a:solidFill>
-                <a:schemeClr val="bg1"/>
-              </a:solidFill>
-              <a:latin typeface="Helvetica Neue Light"/>
-              <a:cs typeface="Helvetica Neue Light"/>
-            </a:endParaRPr>
           </a:p>
         </p:txBody>
       </p:sp>
@@ -10134,13 +10750,6 @@
               </a:rPr>
               <a:t>Website</a:t>
             </a:r>
-            <a:endParaRPr lang="en-CA" sz="2000" dirty="0" smtClean="0">
-              <a:solidFill>
-                <a:schemeClr val="bg1"/>
-              </a:solidFill>
-              <a:latin typeface="Helvetica Neue Light"/>
-              <a:cs typeface="Helvetica Neue Light"/>
-            </a:endParaRPr>
           </a:p>
         </p:txBody>
       </p:sp>
@@ -10152,7 +10761,7 @@
         </p:nvSpPr>
         <p:spPr>
           <a:xfrm>
-            <a:off x="4574990" y="4235801"/>
+            <a:off x="4530166" y="4235801"/>
             <a:ext cx="1476188" cy="390244"/>
           </a:xfrm>
           <a:prstGeom prst="roundRect">
@@ -10200,13 +10809,6 @@
               </a:rPr>
               <a:t>Mail Server</a:t>
             </a:r>
-            <a:endParaRPr lang="en-CA" sz="2000" dirty="0" smtClean="0">
-              <a:solidFill>
-                <a:schemeClr val="bg1"/>
-              </a:solidFill>
-              <a:latin typeface="Helvetica Neue Light"/>
-              <a:cs typeface="Helvetica Neue Light"/>
-            </a:endParaRPr>
           </a:p>
         </p:txBody>
       </p:sp>
@@ -10266,13 +10868,6 @@
               </a:rPr>
               <a:t>Web Server</a:t>
             </a:r>
-            <a:endParaRPr lang="en-CA" sz="2000" dirty="0" smtClean="0">
-              <a:solidFill>
-                <a:schemeClr val="bg1"/>
-              </a:solidFill>
-              <a:latin typeface="Helvetica Neue Light"/>
-              <a:cs typeface="Helvetica Neue Light"/>
-            </a:endParaRPr>
           </a:p>
         </p:txBody>
       </p:sp>
@@ -10284,7 +10879,7 @@
         </p:nvSpPr>
         <p:spPr>
           <a:xfrm>
-            <a:off x="4975413" y="5096721"/>
+            <a:off x="4898439" y="5096721"/>
             <a:ext cx="1867648" cy="390244"/>
           </a:xfrm>
           <a:prstGeom prst="roundRect">
@@ -10332,13 +10927,6 @@
               </a:rPr>
               <a:t>Source Control</a:t>
             </a:r>
-            <a:endParaRPr lang="en-CA" sz="2000" dirty="0" smtClean="0">
-              <a:solidFill>
-                <a:schemeClr val="bg1"/>
-              </a:solidFill>
-              <a:latin typeface="Helvetica Neue Light"/>
-              <a:cs typeface="Helvetica Neue Light"/>
-            </a:endParaRPr>
           </a:p>
         </p:txBody>
       </p:sp>
@@ -11000,7 +11588,7 @@
         </p:spPr>
         <p:txBody>
           <a:bodyPr>
-            <a:normAutofit/>
+            <a:normAutofit fontScale="92500" lnSpcReduction="10000"/>
           </a:bodyPr>
           <a:lstStyle/>
           <a:p>
@@ -11008,32 +11596,8 @@
               <a:buNone/>
             </a:pPr>
             <a:r>
-              <a:rPr lang="en-US" altLang="ja-JP" sz="2800" dirty="0" smtClean="0"/>
-              <a:t>→ </a:t>
-            </a:r>
-            <a:r>
-              <a:rPr lang="en-US" sz="2800" dirty="0" smtClean="0"/>
-              <a:t>Added Continuous Integration</a:t>
-            </a:r>
-            <a:endParaRPr lang="en-US" altLang="ja-JP" sz="2800" dirty="0" smtClean="0"/>
-          </a:p>
-          <a:p>
-            <a:pPr marL="57150" indent="0">
-              <a:buNone/>
-            </a:pPr>
-            <a:endParaRPr lang="en-US" sz="2800" dirty="0" smtClean="0"/>
-          </a:p>
-          <a:p>
-            <a:pPr marL="57150" indent="0">
-              <a:buNone/>
-            </a:pPr>
-            <a:r>
               <a:rPr lang="en-US" altLang="ja-JP" sz="2800" dirty="0"/>
-              <a:t>→ </a:t>
-            </a:r>
-            <a:r>
-              <a:rPr lang="en-US" altLang="ja-JP" sz="2800" dirty="0" smtClean="0"/>
-              <a:t>Registered domain name</a:t>
+              <a:t>→ Registered domain name</a:t>
             </a:r>
           </a:p>
           <a:p>
@@ -11047,13 +11611,14 @@
               <a:buNone/>
             </a:pPr>
             <a:r>
-              <a:rPr lang="en-US" altLang="ja-JP" sz="2800" dirty="0"/>
+              <a:rPr lang="en-US" altLang="ja-JP" sz="2800" dirty="0" smtClean="0"/>
               <a:t>→ </a:t>
             </a:r>
             <a:r>
-              <a:rPr lang="en-US" altLang="ja-JP" sz="2800" dirty="0" smtClean="0"/>
-              <a:t>Usability and Architecture reviews</a:t>
-            </a:r>
+              <a:rPr lang="en-US" sz="2800" dirty="0" smtClean="0"/>
+              <a:t>Continuous Integration</a:t>
+            </a:r>
+            <a:endParaRPr lang="en-US" sz="2800" dirty="0" smtClean="0"/>
           </a:p>
           <a:p>
             <a:pPr marL="57150" indent="0">
@@ -11071,7 +11636,49 @@
             </a:r>
             <a:r>
               <a:rPr lang="en-US" altLang="ja-JP" sz="2800" dirty="0" smtClean="0"/>
-              <a:t>New mock-ups</a:t>
+              <a:t>Usability and Architecture reviews</a:t>
+            </a:r>
+          </a:p>
+          <a:p>
+            <a:pPr marL="57150" indent="0">
+              <a:buNone/>
+            </a:pPr>
+            <a:endParaRPr lang="en-US" altLang="ja-JP" sz="2800" dirty="0" smtClean="0"/>
+          </a:p>
+          <a:p>
+            <a:pPr marL="57150" indent="0">
+              <a:buNone/>
+            </a:pPr>
+            <a:r>
+              <a:rPr lang="en-US" altLang="ja-JP" sz="2800" dirty="0"/>
+              <a:t>→ </a:t>
+            </a:r>
+            <a:r>
+              <a:rPr lang="en-US" altLang="ja-JP" sz="2800" dirty="0" smtClean="0"/>
+              <a:t>Mock</a:t>
+            </a:r>
+            <a:r>
+              <a:rPr lang="en-US" altLang="ja-JP" sz="2800" dirty="0" smtClean="0"/>
+              <a:t>-</a:t>
+            </a:r>
+            <a:r>
+              <a:rPr lang="en-US" altLang="ja-JP" sz="2800" dirty="0" smtClean="0"/>
+              <a:t>ups</a:t>
+            </a:r>
+          </a:p>
+          <a:p>
+            <a:pPr marL="57150" indent="0">
+              <a:buNone/>
+            </a:pPr>
+            <a:endParaRPr lang="en-US" sz="2800" dirty="0"/>
+          </a:p>
+          <a:p>
+            <a:pPr marL="57150" indent="0">
+              <a:buNone/>
+            </a:pPr>
+            <a:r>
+              <a:rPr lang="en-US" altLang="ja-JP" sz="2800" dirty="0" smtClean="0"/>
+              <a:t>→ New apps</a:t>
             </a:r>
             <a:endParaRPr lang="en-US" sz="2800" dirty="0"/>
           </a:p>
@@ -11136,253 +11743,6 @@
                   <a:schemeClr val="bg1"/>
                 </a:solidFill>
               </a:rPr>
-              <a:t>Added Continuous Integration</a:t>
-            </a:r>
-            <a:endParaRPr lang="en-US" dirty="0">
-              <a:solidFill>
-                <a:schemeClr val="bg1"/>
-              </a:solidFill>
-            </a:endParaRPr>
-          </a:p>
-        </p:txBody>
-      </p:sp>
-      <p:pic>
-        <p:nvPicPr>
-          <p:cNvPr id="4" name="Picture 3"/>
-          <p:cNvPicPr>
-            <a:picLocks noChangeAspect="1"/>
-          </p:cNvPicPr>
-          <p:nvPr/>
-        </p:nvPicPr>
-        <p:blipFill>
-          <a:blip r:embed="rId3">
-            <a:duotone>
-              <a:schemeClr val="accent6">
-                <a:shade val="45000"/>
-                <a:satMod val="135000"/>
-              </a:schemeClr>
-              <a:prstClr val="white"/>
-            </a:duotone>
-            <a:extLst>
-              <a:ext uri="{BEBA8EAE-BF5A-486C-A8C5-ECC9F3942E4B}">
-                <a14:imgProps xmlns:a14="http://schemas.microsoft.com/office/drawing/2010/main">
-                  <a14:imgLayer r:embed="rId4">
-                    <a14:imgEffect>
-                      <a14:backgroundRemoval t="2364" b="98727" l="10000" r="90000">
-                        <a14:foregroundMark x1="52182" y1="83273" x2="52182" y2="83273"/>
-                        <a14:foregroundMark x1="42727" y1="73455" x2="59091" y2="93273"/>
-                        <a14:foregroundMark x1="79818" y1="75455" x2="59455" y2="74909"/>
-                        <a14:foregroundMark x1="64000" y1="87273" x2="81273" y2="69091"/>
-                        <a14:foregroundMark x1="59091" y1="59636" x2="72364" y2="72545"/>
-                        <a14:foregroundMark x1="55091" y1="77455" x2="47636" y2="63091"/>
-                        <a14:foregroundMark x1="33818" y1="17091" x2="37818" y2="9273"/>
-                        <a14:foregroundMark x1="48182" y1="90182" x2="52182" y2="74000"/>
-                      </a14:backgroundRemoval>
-                    </a14:imgEffect>
-                  </a14:imgLayer>
-                </a14:imgProps>
-              </a:ext>
-            </a:extLst>
-          </a:blip>
-          <a:stretch>
-            <a:fillRect/>
-          </a:stretch>
-        </p:blipFill>
-        <p:spPr>
-          <a:xfrm>
-            <a:off x="870324" y="2319618"/>
-            <a:ext cx="3025588" cy="3025588"/>
-          </a:xfrm>
-          <a:prstGeom prst="rect">
-            <a:avLst/>
-          </a:prstGeom>
-        </p:spPr>
-      </p:pic>
-      <p:sp>
-        <p:nvSpPr>
-          <p:cNvPr id="7" name="Oval 6"/>
-          <p:cNvSpPr/>
-          <p:nvPr/>
-        </p:nvSpPr>
-        <p:spPr>
-          <a:xfrm>
-            <a:off x="5662706" y="2734237"/>
-            <a:ext cx="2166469" cy="2166469"/>
-          </a:xfrm>
-          <a:prstGeom prst="ellipse">
-            <a:avLst/>
-          </a:prstGeom>
-          <a:solidFill>
-            <a:schemeClr val="bg1">
-              <a:alpha val="80000"/>
-            </a:schemeClr>
-          </a:solidFill>
-          <a:ln>
-            <a:noFill/>
-          </a:ln>
-          <a:effectLst/>
-        </p:spPr>
-        <p:style>
-          <a:lnRef idx="1">
-            <a:schemeClr val="accent1"/>
-          </a:lnRef>
-          <a:fillRef idx="3">
-            <a:schemeClr val="accent1"/>
-          </a:fillRef>
-          <a:effectRef idx="2">
-            <a:schemeClr val="accent1"/>
-          </a:effectRef>
-          <a:fontRef idx="minor">
-            <a:schemeClr val="lt1"/>
-          </a:fontRef>
-        </p:style>
-        <p:txBody>
-          <a:bodyPr rot="0" spcFirstLastPara="0" vertOverflow="overflow" horzOverflow="overflow" vert="horz" wrap="square" lIns="91440" tIns="45720" rIns="91440" bIns="45720" numCol="1" spcCol="0" rtlCol="0" fromWordArt="0" anchor="ctr" anchorCtr="0" forceAA="0" compatLnSpc="1">
-            <a:prstTxWarp prst="textNoShape">
-              <a:avLst/>
-            </a:prstTxWarp>
-            <a:noAutofit/>
-          </a:bodyPr>
-          <a:lstStyle/>
-          <a:p>
-            <a:pPr algn="ctr"/>
-            <a:r>
-              <a:rPr lang="en-CA" sz="3200" dirty="0" err="1" smtClean="0">
-                <a:solidFill>
-                  <a:srgbClr val="FE9941"/>
-                </a:solidFill>
-                <a:latin typeface="Helvetica Neue Light"/>
-                <a:cs typeface="Helvetica Neue Light"/>
-              </a:rPr>
-              <a:t>Ailurus</a:t>
-            </a:r>
-            <a:endParaRPr lang="en-CA" sz="3200" dirty="0" smtClean="0">
-              <a:solidFill>
-                <a:srgbClr val="FE9941"/>
-              </a:solidFill>
-              <a:latin typeface="Helvetica Neue Light"/>
-              <a:cs typeface="Helvetica Neue Light"/>
-            </a:endParaRPr>
-          </a:p>
-        </p:txBody>
-      </p:sp>
-      <p:sp>
-        <p:nvSpPr>
-          <p:cNvPr id="5" name="Right Arrow 4"/>
-          <p:cNvSpPr/>
-          <p:nvPr/>
-        </p:nvSpPr>
-        <p:spPr>
-          <a:xfrm>
-            <a:off x="3895912" y="3361765"/>
-            <a:ext cx="1333500" cy="911412"/>
-          </a:xfrm>
-          <a:prstGeom prst="rightArrow">
-            <a:avLst/>
-          </a:prstGeom>
-          <a:solidFill>
-            <a:schemeClr val="bg1">
-              <a:alpha val="80000"/>
-            </a:schemeClr>
-          </a:solidFill>
-          <a:ln>
-            <a:noFill/>
-          </a:ln>
-          <a:effectLst/>
-        </p:spPr>
-        <p:style>
-          <a:lnRef idx="1">
-            <a:schemeClr val="accent1"/>
-          </a:lnRef>
-          <a:fillRef idx="3">
-            <a:schemeClr val="accent1"/>
-          </a:fillRef>
-          <a:effectRef idx="2">
-            <a:schemeClr val="accent1"/>
-          </a:effectRef>
-          <a:fontRef idx="minor">
-            <a:schemeClr val="lt1"/>
-          </a:fontRef>
-        </p:style>
-        <p:txBody>
-          <a:bodyPr rot="0" spcFirstLastPara="0" vertOverflow="overflow" horzOverflow="overflow" vert="horz" wrap="square" lIns="91440" tIns="45720" rIns="91440" bIns="45720" numCol="1" spcCol="0" rtlCol="0" fromWordArt="0" anchor="ctr" anchorCtr="0" forceAA="0" compatLnSpc="1">
-            <a:prstTxWarp prst="textNoShape">
-              <a:avLst/>
-            </a:prstTxWarp>
-            <a:noAutofit/>
-          </a:bodyPr>
-          <a:lstStyle/>
-          <a:p>
-            <a:pPr algn="ctr"/>
-            <a:endParaRPr lang="en-CA" dirty="0" smtClean="0">
-              <a:solidFill>
-                <a:srgbClr val="FE9941"/>
-              </a:solidFill>
-              <a:latin typeface="Helvetica Neue Light"/>
-              <a:cs typeface="Helvetica Neue Light"/>
-            </a:endParaRPr>
-          </a:p>
-        </p:txBody>
-      </p:sp>
-    </p:spTree>
-    <p:extLst>
-      <p:ext uri="{BB962C8B-B14F-4D97-AF65-F5344CB8AC3E}">
-        <p14:creationId xmlns:p14="http://schemas.microsoft.com/office/powerpoint/2010/main" val="1036420687"/>
-      </p:ext>
-    </p:extLst>
-  </p:cSld>
-  <p:clrMapOvr>
-    <a:masterClrMapping/>
-  </p:clrMapOvr>
-  <p:timing>
-    <p:tnLst>
-      <p:par>
-        <p:cTn xmlns:p14="http://schemas.microsoft.com/office/powerpoint/2010/main" id="1" dur="indefinite" restart="never" nodeType="tmRoot"/>
-      </p:par>
-    </p:tnLst>
-  </p:timing>
-</p:sld>
-</file>
-
-<file path=ppt/slides/slide8.xml><?xml version="1.0" encoding="utf-8"?>
-<p:sld xmlns:a="http://schemas.openxmlformats.org/drawingml/2006/main" xmlns:r="http://schemas.openxmlformats.org/officeDocument/2006/relationships" xmlns:p="http://schemas.openxmlformats.org/presentationml/2006/main">
-  <p:cSld>
-    <p:spTree>
-      <p:nvGrpSpPr>
-        <p:cNvPr id="1" name=""/>
-        <p:cNvGrpSpPr/>
-        <p:nvPr/>
-      </p:nvGrpSpPr>
-      <p:grpSpPr>
-        <a:xfrm>
-          <a:off x="0" y="0"/>
-          <a:ext cx="0" cy="0"/>
-          <a:chOff x="0" y="0"/>
-          <a:chExt cx="0" cy="0"/>
-        </a:xfrm>
-      </p:grpSpPr>
-      <p:sp>
-        <p:nvSpPr>
-          <p:cNvPr id="2" name="Title 1"/>
-          <p:cNvSpPr>
-            <a:spLocks noGrp="1"/>
-          </p:cNvSpPr>
-          <p:nvPr>
-            <p:ph type="title"/>
-          </p:nvPr>
-        </p:nvSpPr>
-        <p:spPr/>
-        <p:txBody>
-          <a:bodyPr/>
-          <a:lstStyle/>
-          <a:p>
-            <a:pPr algn="l"/>
-            <a:r>
-              <a:rPr lang="en-US" dirty="0" smtClean="0">
-                <a:solidFill>
-                  <a:schemeClr val="bg1"/>
-                </a:solidFill>
-              </a:rPr>
               <a:t>Registered domain name</a:t>
             </a:r>
             <a:endParaRPr lang="en-US" dirty="0">
@@ -11663,7 +12023,7 @@
                 <a:latin typeface="Helvetica Neue Light"/>
                 <a:cs typeface="Helvetica Neue Light"/>
               </a:rPr>
-              <a:t>prod.ailurus.ca</a:t>
+              <a:t>pi.ailurus.ca</a:t>
             </a:r>
             <a:endParaRPr lang="en-CA" sz="2800" dirty="0" smtClean="0">
               <a:solidFill>
@@ -11864,6 +12224,253 @@
     <p:extLst>
       <p:ext uri="{BB962C8B-B14F-4D97-AF65-F5344CB8AC3E}">
         <p14:creationId xmlns:p14="http://schemas.microsoft.com/office/powerpoint/2010/main" val="2686512568"/>
+      </p:ext>
+    </p:extLst>
+  </p:cSld>
+  <p:clrMapOvr>
+    <a:masterClrMapping/>
+  </p:clrMapOvr>
+  <p:timing>
+    <p:tnLst>
+      <p:par>
+        <p:cTn xmlns:p14="http://schemas.microsoft.com/office/powerpoint/2010/main" id="1" dur="indefinite" restart="never" nodeType="tmRoot"/>
+      </p:par>
+    </p:tnLst>
+  </p:timing>
+</p:sld>
+</file>
+
+<file path=ppt/slides/slide8.xml><?xml version="1.0" encoding="utf-8"?>
+<p:sld xmlns:a="http://schemas.openxmlformats.org/drawingml/2006/main" xmlns:r="http://schemas.openxmlformats.org/officeDocument/2006/relationships" xmlns:p="http://schemas.openxmlformats.org/presentationml/2006/main">
+  <p:cSld>
+    <p:spTree>
+      <p:nvGrpSpPr>
+        <p:cNvPr id="1" name=""/>
+        <p:cNvGrpSpPr/>
+        <p:nvPr/>
+      </p:nvGrpSpPr>
+      <p:grpSpPr>
+        <a:xfrm>
+          <a:off x="0" y="0"/>
+          <a:ext cx="0" cy="0"/>
+          <a:chOff x="0" y="0"/>
+          <a:chExt cx="0" cy="0"/>
+        </a:xfrm>
+      </p:grpSpPr>
+      <p:sp>
+        <p:nvSpPr>
+          <p:cNvPr id="2" name="Title 1"/>
+          <p:cNvSpPr>
+            <a:spLocks noGrp="1"/>
+          </p:cNvSpPr>
+          <p:nvPr>
+            <p:ph type="title"/>
+          </p:nvPr>
+        </p:nvSpPr>
+        <p:spPr/>
+        <p:txBody>
+          <a:bodyPr/>
+          <a:lstStyle/>
+          <a:p>
+            <a:pPr algn="l"/>
+            <a:r>
+              <a:rPr lang="en-US" dirty="0" smtClean="0">
+                <a:solidFill>
+                  <a:schemeClr val="bg1"/>
+                </a:solidFill>
+              </a:rPr>
+              <a:t>Added Continuous Integration</a:t>
+            </a:r>
+            <a:endParaRPr lang="en-US" dirty="0">
+              <a:solidFill>
+                <a:schemeClr val="bg1"/>
+              </a:solidFill>
+            </a:endParaRPr>
+          </a:p>
+        </p:txBody>
+      </p:sp>
+      <p:pic>
+        <p:nvPicPr>
+          <p:cNvPr id="4" name="Picture 3"/>
+          <p:cNvPicPr>
+            <a:picLocks noChangeAspect="1"/>
+          </p:cNvPicPr>
+          <p:nvPr/>
+        </p:nvPicPr>
+        <p:blipFill>
+          <a:blip r:embed="rId3">
+            <a:duotone>
+              <a:schemeClr val="accent6">
+                <a:shade val="45000"/>
+                <a:satMod val="135000"/>
+              </a:schemeClr>
+              <a:prstClr val="white"/>
+            </a:duotone>
+            <a:extLst>
+              <a:ext uri="{BEBA8EAE-BF5A-486C-A8C5-ECC9F3942E4B}">
+                <a14:imgProps xmlns:a14="http://schemas.microsoft.com/office/drawing/2010/main">
+                  <a14:imgLayer r:embed="rId4">
+                    <a14:imgEffect>
+                      <a14:backgroundRemoval t="2364" b="98727" l="10000" r="90000">
+                        <a14:foregroundMark x1="52182" y1="83273" x2="52182" y2="83273"/>
+                        <a14:foregroundMark x1="42727" y1="73455" x2="59091" y2="93273"/>
+                        <a14:foregroundMark x1="79818" y1="75455" x2="59455" y2="74909"/>
+                        <a14:foregroundMark x1="64000" y1="87273" x2="81273" y2="69091"/>
+                        <a14:foregroundMark x1="59091" y1="59636" x2="72364" y2="72545"/>
+                        <a14:foregroundMark x1="55091" y1="77455" x2="47636" y2="63091"/>
+                        <a14:foregroundMark x1="33818" y1="17091" x2="37818" y2="9273"/>
+                        <a14:foregroundMark x1="48182" y1="90182" x2="52182" y2="74000"/>
+                      </a14:backgroundRemoval>
+                    </a14:imgEffect>
+                  </a14:imgLayer>
+                </a14:imgProps>
+              </a:ext>
+            </a:extLst>
+          </a:blip>
+          <a:stretch>
+            <a:fillRect/>
+          </a:stretch>
+        </p:blipFill>
+        <p:spPr>
+          <a:xfrm>
+            <a:off x="870324" y="2319618"/>
+            <a:ext cx="3025588" cy="3025588"/>
+          </a:xfrm>
+          <a:prstGeom prst="rect">
+            <a:avLst/>
+          </a:prstGeom>
+        </p:spPr>
+      </p:pic>
+      <p:sp>
+        <p:nvSpPr>
+          <p:cNvPr id="7" name="Oval 6"/>
+          <p:cNvSpPr/>
+          <p:nvPr/>
+        </p:nvSpPr>
+        <p:spPr>
+          <a:xfrm>
+            <a:off x="5662706" y="2734237"/>
+            <a:ext cx="2166469" cy="2166469"/>
+          </a:xfrm>
+          <a:prstGeom prst="ellipse">
+            <a:avLst/>
+          </a:prstGeom>
+          <a:solidFill>
+            <a:schemeClr val="bg1">
+              <a:alpha val="80000"/>
+            </a:schemeClr>
+          </a:solidFill>
+          <a:ln>
+            <a:noFill/>
+          </a:ln>
+          <a:effectLst/>
+        </p:spPr>
+        <p:style>
+          <a:lnRef idx="1">
+            <a:schemeClr val="accent1"/>
+          </a:lnRef>
+          <a:fillRef idx="3">
+            <a:schemeClr val="accent1"/>
+          </a:fillRef>
+          <a:effectRef idx="2">
+            <a:schemeClr val="accent1"/>
+          </a:effectRef>
+          <a:fontRef idx="minor">
+            <a:schemeClr val="lt1"/>
+          </a:fontRef>
+        </p:style>
+        <p:txBody>
+          <a:bodyPr rot="0" spcFirstLastPara="0" vertOverflow="overflow" horzOverflow="overflow" vert="horz" wrap="square" lIns="91440" tIns="45720" rIns="91440" bIns="45720" numCol="1" spcCol="0" rtlCol="0" fromWordArt="0" anchor="ctr" anchorCtr="0" forceAA="0" compatLnSpc="1">
+            <a:prstTxWarp prst="textNoShape">
+              <a:avLst/>
+            </a:prstTxWarp>
+            <a:noAutofit/>
+          </a:bodyPr>
+          <a:lstStyle/>
+          <a:p>
+            <a:pPr algn="ctr"/>
+            <a:r>
+              <a:rPr lang="en-CA" sz="3200" dirty="0" err="1" smtClean="0">
+                <a:solidFill>
+                  <a:srgbClr val="FE9941"/>
+                </a:solidFill>
+                <a:latin typeface="Helvetica Neue Light"/>
+                <a:cs typeface="Helvetica Neue Light"/>
+              </a:rPr>
+              <a:t>Ailurus</a:t>
+            </a:r>
+            <a:endParaRPr lang="en-CA" sz="3200" dirty="0" smtClean="0">
+              <a:solidFill>
+                <a:srgbClr val="FE9941"/>
+              </a:solidFill>
+              <a:latin typeface="Helvetica Neue Light"/>
+              <a:cs typeface="Helvetica Neue Light"/>
+            </a:endParaRPr>
+          </a:p>
+        </p:txBody>
+      </p:sp>
+      <p:sp>
+        <p:nvSpPr>
+          <p:cNvPr id="5" name="Right Arrow 4"/>
+          <p:cNvSpPr/>
+          <p:nvPr/>
+        </p:nvSpPr>
+        <p:spPr>
+          <a:xfrm>
+            <a:off x="3895912" y="3361765"/>
+            <a:ext cx="1333500" cy="911412"/>
+          </a:xfrm>
+          <a:prstGeom prst="rightArrow">
+            <a:avLst/>
+          </a:prstGeom>
+          <a:solidFill>
+            <a:schemeClr val="bg1">
+              <a:alpha val="80000"/>
+            </a:schemeClr>
+          </a:solidFill>
+          <a:ln>
+            <a:noFill/>
+          </a:ln>
+          <a:effectLst/>
+        </p:spPr>
+        <p:style>
+          <a:lnRef idx="1">
+            <a:schemeClr val="accent1"/>
+          </a:lnRef>
+          <a:fillRef idx="3">
+            <a:schemeClr val="accent1"/>
+          </a:fillRef>
+          <a:effectRef idx="2">
+            <a:schemeClr val="accent1"/>
+          </a:effectRef>
+          <a:fontRef idx="minor">
+            <a:schemeClr val="lt1"/>
+          </a:fontRef>
+        </p:style>
+        <p:txBody>
+          <a:bodyPr rot="0" spcFirstLastPara="0" vertOverflow="overflow" horzOverflow="overflow" vert="horz" wrap="square" lIns="91440" tIns="45720" rIns="91440" bIns="45720" numCol="1" spcCol="0" rtlCol="0" fromWordArt="0" anchor="ctr" anchorCtr="0" forceAA="0" compatLnSpc="1">
+            <a:prstTxWarp prst="textNoShape">
+              <a:avLst/>
+            </a:prstTxWarp>
+            <a:noAutofit/>
+          </a:bodyPr>
+          <a:lstStyle/>
+          <a:p>
+            <a:pPr algn="ctr"/>
+            <a:endParaRPr lang="en-CA" dirty="0" smtClean="0">
+              <a:solidFill>
+                <a:srgbClr val="FE9941"/>
+              </a:solidFill>
+              <a:latin typeface="Helvetica Neue Light"/>
+              <a:cs typeface="Helvetica Neue Light"/>
+            </a:endParaRPr>
+          </a:p>
+        </p:txBody>
+      </p:sp>
+    </p:spTree>
+    <p:extLst>
+      <p:ext uri="{BB962C8B-B14F-4D97-AF65-F5344CB8AC3E}">
+        <p14:creationId xmlns:p14="http://schemas.microsoft.com/office/powerpoint/2010/main" val="1036420687"/>
       </p:ext>
     </p:extLst>
   </p:cSld>
